--- a/docs/useCaseTemplate/UseCase 8_ValutazioneProprietario_PetSitter.pptx
+++ b/docs/useCaseTemplate/UseCase 8_ValutazioneProprietario_PetSitter.pptx
@@ -114,159 +114,19 @@
     </style:style>
     <style:style style:name="ce5" style:family="table-cell">
       <style:graphic-properties draw:fill="solid" draw:fill-color="#cfd5e9" style:repeat="repeat" draw:textarea-vertical-align="top" fo:padding-top="0.127cm" fo:padding-bottom="0.127cm" fo:padding-left="0.254cm" fo:padding-right="0.254cm"/>
-      <style:paragraph-properties fo:margin-left="0cm" fo:margin-right="0cm" fo:margin-top="0cm" fo:margin-bottom="0cm" fo:text-align="start" fo:text-indent="0cm" style:border-line-width="0.008cm 0cm 0.008cm" fo:border="0.008cm solid #ffffff" style:punctuation-wrap="hanging" style:writing-mode="lr-tb"/>
-      <style:text-properties fo:color="#ffffff" style:text-line-through-style="none" fo:letter-spacing="normal" fo:font-style="normal" style:text-underline-style="none" fo:font-weight="normal" style:font-style-asian="normal" style:font-weight-asian="normal" style:font-style-complex="normal" style:font-weight-complex="normal" fo:hyphenate="false"/>
-    </style:style>
-    <style:style style:name="ce6" style:family="table-cell">
-      <style:graphic-properties draw:fill="solid" draw:fill-color="#cfd5e9" style:repeat="repeat" draw:textarea-vertical-align="top" fo:padding-top="0.127cm" fo:padding-bottom="0.127cm" fo:padding-left="0.254cm" fo:padding-right="0.254cm"/>
-      <style:paragraph-properties fo:margin-left="0cm" fo:margin-right="0cm" fo:margin-top="0cm" fo:margin-bottom="0cm" fo:text-align="start" fo:text-indent="0cm" style:border-line-width="0.008cm 0cm 0.008cm" fo:border="0.008cm solid #ffffff" style:punctuation-wrap="hanging" style:writing-mode="lr-tb"/>
-      <style:text-properties fo:color="#000000" style:text-line-through-style="none" fo:letter-spacing="normal" fo:font-style="normal" style:text-underline-style="none" fo:font-weight="normal" style:font-style-asian="normal" style:font-weight-asian="normal" style:font-style-complex="normal" style:font-weight-complex="normal" fo:hyphenate="false"/>
-    </style:style>
-    <style:style style:name="ce7" style:family="table-cell">
-      <style:graphic-properties draw:fill="solid" draw:fill-color="#4472c4" style:repeat="repeat" draw:textarea-vertical-align="top" fo:padding-top="0.127cm" fo:padding-bottom="0.127cm" fo:padding-left="0.254cm" fo:padding-right="0.254cm"/>
-      <style:paragraph-properties fo:margin-left="0cm" fo:margin-right="0cm" fo:margin-top="0cm" fo:margin-bottom="0cm" fo:text-align="start" fo:text-indent="0cm" style:border-line-width="0.008cm 0cm 0.008cm" fo:border="0.008cm solid #ffffff" style:punctuation-wrap="hanging" style:writing-mode="lr-tb"/>
-      <style:text-properties fo:color="#ffffff" style:text-line-through-style="none" fo:letter-spacing="normal" fo:font-style="normal" style:text-underline-style="none" fo:font-weight="normal" style:font-style-asian="normal" style:font-weight-asian="normal" style:font-style-complex="normal" style:font-weight-complex="normal" fo:hyphenate="false"/>
-    </style:style>
-    <style:style style:name="ce8" style:family="table-cell">
-      <style:graphic-properties draw:fill="solid" draw:fill-color="#e8ebf4" style:repeat="repeat" draw:textarea-vertical-align="top" fo:padding-top="0.127cm" fo:padding-bottom="0.127cm" fo:padding-left="0.254cm" fo:padding-right="0.254cm"/>
-      <style:paragraph-properties fo:margin-left="0cm" fo:margin-right="0cm" fo:margin-top="0cm" fo:margin-bottom="0cm" fo:text-align="start" fo:text-indent="0cm" style:border-line-width="0.008cm 0cm 0.008cm" fo:border="0.008cm solid #ffffff" style:punctuation-wrap="hanging" style:writing-mode="lr-tb"/>
-      <style:text-properties fo:color="#000000" style:text-line-through-style="none" fo:letter-spacing="normal" fo:font-style="normal" style:text-underline-style="none" fo:font-weight="normal" style:font-style-asian="normal" style:font-weight-asian="normal" style:font-style-complex="normal" style:font-weight-complex="normal" fo:hyphenate="false"/>
-    </style:style>
-    <style:style style:name="ce9" style:family="table-cell">
-      <style:graphic-properties draw:fill="solid" draw:fill-color="#cfd5e9" style:repeat="repeat" draw:textarea-vertical-align="top" fo:padding-top="0.127cm" fo:padding-bottom="0.127cm" fo:padding-left="0.254cm" fo:padding-right="0.254cm"/>
-      <style:paragraph-properties fo:margin-left="0cm" fo:margin-right="0cm" fo:margin-top="0cm" fo:margin-bottom="0cm" fo:text-align="start" fo:text-indent="0cm" style:border-line-width="0.008cm 0cm 0.008cm" fo:border="0.008cm solid #ffffff" style:punctuation-wrap="hanging" style:writing-mode="lr-tb"/>
-      <style:text-properties fo:color="#ffffff" style:text-line-through-style="none" fo:letter-spacing="normal" fo:font-style="normal" style:text-underline-style="none" fo:font-weight="normal" style:font-style-asian="normal" style:font-weight-asian="normal" style:font-style-complex="normal" style:font-weight-complex="normal" fo:hyphenate="false"/>
-    </style:style>
-    <style:style style:name="ce10" style:family="table-cell">
-      <style:graphic-properties draw:fill="solid" draw:fill-color="#cfd5e9" style:repeat="repeat" draw:textarea-vertical-align="top" fo:padding-top="0.127cm" fo:padding-bottom="0.127cm" fo:padding-left="0.254cm" fo:padding-right="0.254cm"/>
-      <style:paragraph-properties fo:margin-left="0cm" fo:margin-right="0cm" fo:margin-top="0cm" fo:margin-bottom="0cm" fo:text-align="start" fo:text-indent="0cm" style:border-line-width="0.008cm 0cm 0.008cm" fo:border="0.008cm solid #ffffff" style:punctuation-wrap="hanging" style:writing-mode="lr-tb"/>
-      <style:text-properties fo:color="#000000" style:text-line-through-style="none" fo:letter-spacing="normal" fo:font-style="normal" style:text-underline-style="none" fo:font-weight="normal" style:font-style-asian="normal" style:font-weight-asian="normal" style:font-style-complex="normal" style:font-weight-complex="normal" fo:hyphenate="false"/>
-    </style:style>
-    <style:style style:name="ce11" style:family="table-cell">
-      <style:graphic-properties draw:fill="solid" draw:fill-color="#4472c4" style:repeat="repeat" draw:textarea-vertical-align="top" fo:padding-top="0.127cm" fo:padding-bottom="0.127cm" fo:padding-left="0.254cm" fo:padding-right="0.254cm"/>
-      <style:paragraph-properties fo:margin-left="0cm" fo:margin-right="0cm" fo:margin-top="0cm" fo:margin-bottom="0cm" fo:text-align="start" fo:text-indent="0cm" style:border-line-width="0.008cm 0cm 0.008cm" fo:border="0.008cm solid #ffffff" style:punctuation-wrap="hanging" style:writing-mode="lr-tb"/>
-      <style:text-properties fo:color="#ffffff" style:text-line-through-style="none" fo:letter-spacing="normal" fo:font-style="normal" style:text-underline-style="none" fo:font-weight="normal" style:font-style-asian="normal" style:font-weight-asian="normal" style:font-style-complex="normal" style:font-weight-complex="normal" fo:hyphenate="false"/>
-    </style:style>
-    <style:style style:name="ce12" style:family="table-cell">
-      <style:graphic-properties draw:fill="solid" draw:fill-color="#e8ebf4" style:repeat="repeat" draw:textarea-vertical-align="top" fo:padding-top="0.127cm" fo:padding-bottom="0.127cm" fo:padding-left="0.254cm" fo:padding-right="0.254cm"/>
-      <style:paragraph-properties fo:margin-left="0cm" fo:margin-right="0cm" fo:margin-top="0cm" fo:margin-bottom="0cm" fo:text-align="start" fo:text-indent="0cm" style:border-line-width="0.008cm 0cm 0.008cm" fo:border="0.008cm solid #ffffff" style:punctuation-wrap="hanging" style:writing-mode="lr-tb"/>
-      <style:text-properties fo:color="#000000" style:text-line-through-style="none" fo:letter-spacing="normal" fo:font-style="normal" style:text-underline-style="none" fo:font-weight="normal" style:font-style-asian="normal" style:font-weight-asian="normal" style:font-style-complex="normal" style:font-weight-complex="normal" fo:hyphenate="false"/>
-    </style:style>
-    <style:style style:name="ce13" style:family="table-cell">
-      <style:graphic-properties draw:fill="solid" draw:fill-color="#cfd5e9" style:repeat="repeat" draw:textarea-vertical-align="top" fo:padding-top="0.127cm" fo:padding-bottom="0.127cm" fo:padding-left="0.254cm" fo:padding-right="0.254cm"/>
-      <style:paragraph-properties fo:margin-left="0cm" fo:margin-right="0cm" fo:margin-top="0cm" fo:margin-bottom="0cm" fo:text-align="start" fo:text-indent="0cm" style:border-line-width="0.008cm 0cm 0.008cm" fo:border="0.008cm solid #ffffff" style:punctuation-wrap="hanging" style:writing-mode="lr-tb"/>
-      <style:text-properties fo:color="#ffffff" style:text-line-through-style="none" fo:letter-spacing="normal" fo:font-style="normal" style:text-underline-style="none" fo:font-weight="normal" style:font-style-asian="normal" style:font-weight-asian="normal" style:font-style-complex="normal" style:font-weight-complex="normal" fo:hyphenate="false"/>
-    </style:style>
-    <style:style style:name="ce14" style:family="table-cell">
-      <style:graphic-properties draw:fill="solid" draw:fill-color="#cfd5e9" style:repeat="repeat" draw:textarea-vertical-align="top" fo:padding-top="0.127cm" fo:padding-bottom="0.127cm" fo:padding-left="0.254cm" fo:padding-right="0.254cm"/>
       <style:paragraph-properties style:border-line-width="0.008cm 0cm 0.008cm" fo:border="0.008cm solid #ffffff"/>
       <style:text-properties fo:color="#000000" style:text-line-through-style="none" fo:letter-spacing="normal" fo:font-style="normal" style:text-underline-style="none" fo:font-weight="normal" style:font-style-asian="normal" style:font-weight-asian="normal" style:font-style-complex="normal" style:font-weight-complex="normal"/>
     </style:style>
-    <style:style style:name="ce15" style:family="table-cell">
-      <style:graphic-properties draw:fill="solid" draw:fill-color="#4472c4" style:repeat="repeat" draw:textarea-vertical-align="top" fo:padding-top="0.127cm" fo:padding-bottom="0.127cm" fo:padding-left="0.254cm" fo:padding-right="0.254cm"/>
-      <style:paragraph-properties fo:margin-left="0cm" fo:margin-right="0cm" fo:margin-top="0cm" fo:margin-bottom="0cm" fo:text-align="start" fo:text-indent="0cm" style:border-line-width="0.008cm 0cm 0.008cm" fo:border="0.008cm solid #ffffff" style:punctuation-wrap="hanging" style:writing-mode="lr-tb"/>
-      <style:text-properties fo:color="#ffffff" style:text-line-through-style="none" fo:letter-spacing="normal" fo:font-style="normal" style:text-underline-style="none" fo:font-weight="normal" style:font-style-asian="normal" style:font-weight-asian="normal" style:font-style-complex="normal" style:font-weight-complex="normal" fo:hyphenate="false"/>
-    </style:style>
-    <style:style style:name="ce16" style:family="table-cell">
+    <style:style style:name="ce6" style:family="table-cell">
       <style:graphic-properties draw:fill="solid" draw:fill-color="#e8ebf4" style:repeat="repeat" draw:textarea-vertical-align="top" fo:padding-top="0.127cm" fo:padding-bottom="0.127cm" fo:padding-left="0.254cm" fo:padding-right="0.254cm"/>
       <style:paragraph-properties style:border-line-width="0.008cm 0cm 0.008cm" fo:border="0.008cm solid #ffffff"/>
       <style:text-properties fo:color="#000000" style:text-line-through-style="none" fo:letter-spacing="normal" fo:font-style="normal" style:text-underline-style="none" fo:font-weight="normal" style:font-style-asian="normal" style:font-weight-asian="normal" style:font-style-complex="normal" style:font-weight-complex="normal"/>
     </style:style>
-    <style:style style:name="ce17" style:family="table-cell">
-      <style:graphic-properties draw:fill="solid" draw:fill-color="#cfd5e9" style:repeat="repeat" draw:textarea-vertical-align="top" fo:padding-top="0.127cm" fo:padding-bottom="0.127cm" fo:padding-left="0.254cm" fo:padding-right="0.254cm"/>
-      <style:paragraph-properties fo:margin-left="0cm" fo:margin-right="0cm" fo:margin-top="0cm" fo:margin-bottom="0cm" fo:text-align="start" fo:text-indent="0cm" style:border-line-width="0.008cm 0cm 0.008cm" fo:border="0.008cm solid #ffffff" style:punctuation-wrap="hanging" style:writing-mode="lr-tb"/>
-      <style:text-properties fo:color="#ffffff" style:text-line-through-style="none" fo:letter-spacing="normal" fo:font-style="normal" style:text-underline-style="none" fo:font-weight="normal" style:font-style-asian="normal" style:font-weight-asian="normal" style:font-style-complex="normal" style:font-weight-complex="normal" fo:hyphenate="false"/>
-    </style:style>
-    <style:style style:name="ce18" style:family="table-cell">
-      <style:graphic-properties draw:fill="solid" draw:fill-color="#cfd5e9" style:repeat="repeat" draw:textarea-vertical-align="top" fo:padding-top="0.127cm" fo:padding-bottom="0.127cm" fo:padding-left="0.254cm" fo:padding-right="0.254cm"/>
-      <style:paragraph-properties fo:margin-left="0cm" fo:margin-right="0cm" fo:margin-top="0cm" fo:margin-bottom="0cm" fo:text-align="start" fo:text-indent="0cm" style:border-line-width="0.008cm 0cm 0.008cm" fo:border="0.008cm solid #ffffff" style:punctuation-wrap="hanging" style:writing-mode="lr-tb"/>
-      <style:text-properties fo:color="#000000" style:text-line-through-style="none" fo:letter-spacing="normal" fo:font-style="normal" style:text-underline-style="none" fo:font-weight="normal" style:font-style-asian="normal" style:font-weight-asian="normal" style:font-style-complex="normal" style:font-weight-complex="normal" fo:hyphenate="false"/>
-    </style:style>
-    <style:style style:name="ce19" style:family="table-cell">
-      <style:graphic-properties draw:fill="solid" draw:fill-color="#4472c4" style:repeat="repeat" draw:textarea-vertical-align="top" fo:padding-top="0.127cm" fo:padding-bottom="0.127cm" fo:padding-left="0.254cm" fo:padding-right="0.254cm"/>
-      <style:paragraph-properties fo:margin-left="0cm" fo:margin-right="0cm" fo:margin-top="0cm" fo:margin-bottom="0cm" fo:text-align="start" fo:text-indent="0cm" style:border-line-width="0.008cm 0cm 0.008cm" fo:border="0.008cm solid #ffffff" style:punctuation-wrap="hanging" style:writing-mode="lr-tb"/>
-      <style:text-properties fo:color="#ffffff" style:text-line-through-style="none" fo:letter-spacing="normal" fo:font-style="normal" style:text-underline-style="none" fo:font-weight="normal" style:font-style-asian="normal" style:font-weight-asian="normal" style:font-style-complex="normal" style:font-weight-complex="normal" fo:hyphenate="false"/>
-    </style:style>
-    <style:style style:name="ce20" style:family="table-cell">
-      <style:graphic-properties draw:fill="solid" draw:fill-color="#e8ebf4" style:repeat="repeat" draw:textarea-vertical-align="top" fo:padding-top="0.127cm" fo:padding-bottom="0.127cm" fo:padding-left="0.254cm" fo:padding-right="0.254cm"/>
-      <style:paragraph-properties fo:margin-left="0cm" fo:margin-right="0cm" fo:margin-top="0cm" fo:margin-bottom="0cm" fo:text-align="start" fo:text-indent="0cm" style:border-line-width="0.008cm 0cm 0.008cm" fo:border="0.008cm solid #ffffff" style:punctuation-wrap="hanging" style:writing-mode="lr-tb"/>
-      <style:text-properties fo:color="#000000" style:text-line-through-style="none" fo:letter-spacing="normal" fo:font-style="normal" style:text-underline-style="none" fo:font-weight="normal" style:font-style-asian="normal" style:font-weight-asian="normal" style:font-style-complex="normal" style:font-weight-complex="normal" fo:hyphenate="false"/>
-    </style:style>
-    <style:style style:name="ce21" style:family="table-cell">
-      <style:graphic-properties draw:fill="solid" draw:fill-color="#cfd5e9" style:repeat="repeat" draw:textarea-vertical-align="top" fo:padding-top="0.127cm" fo:padding-bottom="0.127cm" fo:padding-left="0.254cm" fo:padding-right="0.254cm"/>
-      <style:paragraph-properties fo:margin-left="0cm" fo:margin-right="0cm" fo:margin-top="0cm" fo:margin-bottom="0cm" fo:text-align="start" fo:text-indent="0cm" style:border-line-width="0.008cm 0cm 0.008cm" fo:border="0.008cm solid #ffffff" style:punctuation-wrap="hanging" style:writing-mode="lr-tb"/>
-      <style:text-properties fo:color="#ffffff" style:text-line-through-style="none" fo:letter-spacing="normal" fo:font-style="normal" style:text-underline-style="none" fo:font-weight="normal" style:font-style-asian="normal" style:font-weight-asian="normal" style:font-style-complex="normal" style:font-weight-complex="normal" fo:hyphenate="false"/>
-    </style:style>
-    <style:style style:name="ce22" style:family="table-cell">
+    <style:style style:name="ce7" style:family="table-cell">
       <style:graphic-properties draw:fill="solid" draw:fill-color="#cfd5e9" style:repeat="repeat" draw:textarea-vertical-align="top" fo:padding-top="0.127cm" fo:padding-bottom="0.127cm" fo:padding-left="0.254cm" fo:padding-right="0.254cm"/>
       <style:paragraph-properties style:border-line-width="0.008cm 0cm 0.008cm" fo:border="0.008cm solid #ffffff"/>
       <style:text-properties fo:color="#000000" style:text-line-through-style="none" fo:font-family="Calibri" style:font-family-generic="swiss" style:font-pitch="variable" fo:font-size="18pt" fo:letter-spacing="normal" fo:font-style="normal" style:text-underline-style="none" fo:font-weight="normal" style:font-size-asian="18pt" style:font-style-asian="normal" style:font-weight-asian="normal" style:font-size-complex="18pt" style:font-style-complex="normal" style:font-weight-complex="normal"/>
     </style:style>
-    <style:style style:name="ce23" style:family="table-cell">
-      <style:graphic-properties draw:fill="solid" draw:fill-color="#4472c4" style:repeat="repeat" draw:textarea-vertical-align="top" fo:padding-top="0.127cm" fo:padding-bottom="0.127cm" fo:padding-left="0.254cm" fo:padding-right="0.254cm"/>
-      <style:paragraph-properties fo:margin-left="0cm" fo:margin-right="0cm" fo:margin-top="0cm" fo:margin-bottom="0cm" fo:text-align="start" fo:text-indent="0cm" style:border-line-width="0.008cm 0cm 0.008cm" fo:border="0.008cm solid #ffffff" style:punctuation-wrap="hanging" style:writing-mode="lr-tb"/>
-      <style:text-properties fo:color="#ffffff" style:text-line-through-style="none" fo:letter-spacing="normal" fo:font-style="normal" style:text-underline-style="none" fo:font-weight="normal" style:font-style-asian="normal" style:font-weight-asian="normal" style:font-style-complex="normal" style:font-weight-complex="normal" fo:hyphenate="false"/>
-    </style:style>
-    <style:style style:name="ce24" style:family="table-cell">
-      <style:graphic-properties draw:fill="solid" draw:fill-color="#e8ebf4" style:repeat="repeat" draw:textarea-vertical-align="top" fo:padding-top="0.127cm" fo:padding-bottom="0.127cm" fo:padding-left="0.254cm" fo:padding-right="0.254cm"/>
-      <style:paragraph-properties fo:margin-left="0cm" fo:margin-right="0cm" fo:margin-top="0cm" fo:margin-bottom="0cm" fo:text-align="start" fo:text-indent="0cm" style:border-line-width="0.008cm 0cm 0.008cm" fo:border="0.008cm solid #ffffff" style:punctuation-wrap="hanging" style:writing-mode="lr-tb"/>
-      <style:text-properties fo:color="#000000" style:text-line-through-style="none" fo:letter-spacing="normal" fo:font-style="normal" style:text-underline-style="none" fo:font-weight="normal" style:font-style-asian="normal" style:font-weight-asian="normal" style:font-style-complex="normal" style:font-weight-complex="normal" fo:hyphenate="false"/>
-    </style:style>
-    <style:style style:name="ce25" style:family="table-cell">
-      <style:graphic-properties draw:fill="solid" draw:fill-color="#cfd5e9" style:repeat="repeat" draw:textarea-vertical-align="top" fo:padding-top="0.127cm" fo:padding-bottom="0.127cm" fo:padding-left="0.254cm" fo:padding-right="0.254cm"/>
-      <style:paragraph-properties fo:margin-left="0cm" fo:margin-right="0cm" fo:margin-top="0cm" fo:margin-bottom="0cm" fo:text-align="start" fo:text-indent="0cm" style:border-line-width="0.008cm 0cm 0.008cm" fo:border="0.008cm solid #ffffff" style:punctuation-wrap="hanging" style:writing-mode="lr-tb"/>
-      <style:text-properties fo:color="#ffffff" style:text-line-through-style="none" fo:letter-spacing="normal" fo:font-style="normal" style:text-underline-style="none" fo:font-weight="normal" style:font-style-asian="normal" style:font-weight-asian="normal" style:font-style-complex="normal" style:font-weight-complex="normal" fo:hyphenate="false"/>
-    </style:style>
-    <style:style style:name="ce26" style:family="table-cell">
-      <style:graphic-properties draw:fill="solid" draw:fill-color="#cfd5e9" style:repeat="repeat" draw:textarea-vertical-align="top" fo:padding-top="0.127cm" fo:padding-bottom="0.127cm" fo:padding-left="0.254cm" fo:padding-right="0.254cm"/>
-      <style:paragraph-properties fo:margin-left="0cm" fo:margin-right="0cm" fo:margin-top="0cm" fo:margin-bottom="0cm" fo:text-align="start" fo:text-indent="0cm" style:border-line-width="0.008cm 0cm 0.008cm" fo:border="0.008cm solid #ffffff" style:punctuation-wrap="hanging" style:writing-mode="lr-tb"/>
-      <style:text-properties fo:color="#000000" style:text-line-through-style="none" fo:letter-spacing="normal" fo:font-style="normal" style:text-underline-style="none" fo:font-weight="normal" style:font-style-asian="normal" style:font-weight-asian="normal" style:font-style-complex="normal" style:font-weight-complex="normal" fo:hyphenate="false"/>
-    </style:style>
-    <style:style style:name="ce27" style:family="table-cell">
-      <style:graphic-properties draw:fill="solid" draw:fill-color="#4472c4" style:repeat="repeat" draw:textarea-vertical-align="top" fo:padding-top="0.127cm" fo:padding-bottom="0.127cm" fo:padding-left="0.254cm" fo:padding-right="0.254cm"/>
-      <style:paragraph-properties fo:margin-left="0cm" fo:margin-right="0cm" fo:margin-top="0cm" fo:margin-bottom="0cm" fo:text-align="start" fo:text-indent="0cm" style:border-line-width="0.008cm 0cm 0.008cm" fo:border="0.008cm solid #ffffff" style:punctuation-wrap="hanging" style:writing-mode="lr-tb"/>
-      <style:text-properties fo:color="#ffffff" style:text-line-through-style="none" fo:letter-spacing="normal" fo:font-style="normal" style:text-underline-style="none" fo:font-weight="normal" style:font-style-asian="normal" style:font-weight-asian="normal" style:font-style-complex="normal" style:font-weight-complex="normal" fo:hyphenate="false"/>
-    </style:style>
-    <style:style style:name="ce28" style:family="table-cell">
-      <style:graphic-properties draw:fill="solid" draw:fill-color="#e8ebf4" style:repeat="repeat" draw:textarea-vertical-align="top" fo:padding-top="0.127cm" fo:padding-bottom="0.127cm" fo:padding-left="0.254cm" fo:padding-right="0.254cm"/>
-      <style:paragraph-properties fo:margin-left="0cm" fo:margin-right="0cm" fo:margin-top="0cm" fo:margin-bottom="0cm" fo:text-align="start" fo:text-indent="0cm" style:border-line-width="0.008cm 0cm 0.008cm" fo:border="0.008cm solid #ffffff" style:punctuation-wrap="hanging" style:writing-mode="lr-tb"/>
-      <style:text-properties fo:color="#000000" style:text-line-through-style="none" fo:letter-spacing="normal" fo:font-style="normal" style:text-underline-style="none" fo:font-weight="normal" style:font-style-asian="normal" style:font-weight-asian="normal" style:font-style-complex="normal" style:font-weight-complex="normal" fo:hyphenate="false"/>
-    </style:style>
-    <style:style style:name="ce29" style:family="table-cell">
-      <style:graphic-properties draw:fill="solid" draw:fill-color="#cfd5e9" style:repeat="repeat" draw:textarea-vertical-align="top" fo:padding-top="0.127cm" fo:padding-bottom="0.127cm" fo:padding-left="0.254cm" fo:padding-right="0.254cm"/>
-      <style:paragraph-properties fo:margin-left="0cm" fo:margin-right="0cm" fo:margin-top="0cm" fo:margin-bottom="0cm" fo:text-align="start" fo:text-indent="0cm" style:border-line-width="0.008cm 0cm 0.008cm" fo:border="0.008cm solid #ffffff" style:punctuation-wrap="hanging" style:writing-mode="lr-tb"/>
-      <style:text-properties fo:color="#ffffff" style:text-line-through-style="none" fo:letter-spacing="normal" fo:font-style="normal" style:text-underline-style="none" fo:font-weight="normal" style:font-style-asian="normal" style:font-weight-asian="normal" style:font-style-complex="normal" style:font-weight-complex="normal" fo:hyphenate="false"/>
-    </style:style>
-    <style:style style:name="ce30" style:family="table-cell">
-      <style:graphic-properties draw:fill="solid" draw:fill-color="#cfd5e9" style:repeat="repeat" draw:textarea-vertical-align="top" fo:padding-top="0.127cm" fo:padding-bottom="0.127cm" fo:padding-left="0.254cm" fo:padding-right="0.254cm"/>
-      <style:paragraph-properties fo:margin-left="0cm" fo:margin-right="0cm" fo:margin-top="0cm" fo:margin-bottom="0cm" fo:text-align="start" fo:text-indent="0cm" style:border-line-width="0.008cm 0cm 0.008cm" fo:border="0.008cm solid #ffffff" style:punctuation-wrap="hanging" style:writing-mode="lr-tb"/>
-      <style:text-properties fo:color="#000000" style:text-line-through-style="none" fo:letter-spacing="normal" fo:font-style="normal" style:text-underline-style="none" fo:font-weight="normal" style:font-style-asian="normal" style:font-weight-asian="normal" style:font-style-complex="normal" style:font-weight-complex="normal" fo:hyphenate="false"/>
-    </style:style>
-    <style:style style:name="ce31" style:family="table-cell">
-      <style:graphic-properties draw:fill="solid" draw:fill-color="#cfd5e9" style:repeat="repeat" draw:textarea-vertical-align="top" fo:padding-top="0.127cm" fo:padding-bottom="0.127cm" fo:padding-left="0.254cm" fo:padding-right="0.254cm"/>
-      <style:paragraph-properties fo:margin-left="0cm" fo:margin-right="0cm" fo:margin-top="0cm" fo:margin-bottom="0cm" fo:text-align="start" fo:text-indent="0cm" style:border-line-width="0.008cm 0cm 0.008cm" fo:border="0.008cm solid #ffffff" style:punctuation-wrap="hanging" style:writing-mode="lr-tb"/>
-      <style:text-properties fo:color="#ffffff" style:text-line-through-style="none" fo:letter-spacing="normal" fo:font-style="normal" style:text-underline-style="none" fo:font-weight="normal" style:font-style-asian="normal" style:font-weight-asian="normal" style:font-style-complex="normal" style:font-weight-complex="normal" fo:hyphenate="false"/>
-    </style:style>
-    <style:style style:name="ce32" style:family="table-cell">
-      <style:graphic-properties draw:fill="solid" draw:fill-color="#cfd5e9" style:repeat="repeat" draw:textarea-vertical-align="top" fo:padding-top="0.127cm" fo:padding-bottom="0.127cm" fo:padding-left="0.254cm" fo:padding-right="0.254cm"/>
-      <style:paragraph-properties fo:margin-left="0cm" fo:margin-right="0cm" fo:margin-top="0cm" fo:margin-bottom="0cm" fo:text-align="start" fo:text-indent="0cm" style:border-line-width="0.008cm 0cm 0.008cm" fo:border="0.008cm solid #ffffff" style:punctuation-wrap="hanging" style:writing-mode="lr-tb"/>
-      <style:text-properties fo:color="#000000" style:text-line-through-style="none" fo:letter-spacing="normal" fo:font-style="normal" style:text-underline-style="none" fo:font-weight="normal" style:font-style-asian="normal" style:font-weight-asian="normal" style:font-style-complex="normal" style:font-weight-complex="normal" fo:hyphenate="false"/>
-    </style:style>
-    <style:style style:name="ce33" style:family="table-cell">
-      <style:graphic-properties draw:fill="solid" draw:fill-color="#4472c4" style:repeat="repeat" draw:textarea-vertical-align="top" fo:padding-top="0.127cm" fo:padding-bottom="0.127cm" fo:padding-left="0.254cm" fo:padding-right="0.254cm"/>
-      <style:paragraph-properties fo:margin-left="0cm" fo:margin-right="0cm" fo:margin-top="0cm" fo:margin-bottom="0cm" fo:text-align="start" fo:text-indent="0cm" style:border-line-width="0.008cm 0cm 0.008cm" fo:border="0.008cm solid #ffffff" style:punctuation-wrap="hanging" style:writing-mode="lr-tb"/>
-      <style:text-properties fo:color="#ffffff" style:text-line-through-style="none" fo:letter-spacing="normal" fo:font-style="normal" style:text-underline-style="none" fo:font-weight="normal" style:font-style-asian="normal" style:font-weight-asian="normal" style:font-style-complex="normal" style:font-weight-complex="normal" fo:hyphenate="false"/>
-    </style:style>
-    <style:style style:name="ce34" style:family="table-cell">
-      <style:graphic-properties draw:fill="solid" draw:fill-color="#e8ebf4" style:repeat="repeat" draw:textarea-vertical-align="top" fo:padding-top="0.127cm" fo:padding-bottom="0.127cm" fo:padding-left="0.254cm" fo:padding-right="0.254cm"/>
-      <style:paragraph-properties fo:margin-left="0cm" fo:margin-right="0cm" fo:margin-top="0cm" fo:margin-bottom="0cm" fo:text-align="start" fo:text-indent="0cm" style:border-line-width="0.008cm 0cm 0.008cm" fo:border="0.008cm solid #ffffff" style:punctuation-wrap="hanging" style:writing-mode="lr-tb"/>
-      <style:text-properties fo:color="#000000" style:text-line-through-style="none" fo:letter-spacing="normal" fo:font-style="normal" style:text-underline-style="none" fo:font-weight="normal" style:font-style-asian="normal" style:font-weight-asian="normal" style:font-style-complex="normal" style:font-weight-complex="normal" fo:hyphenate="false"/>
-    </style:style>
-    <style:style style:name="ce35" style:family="table-cell">
-      <style:graphic-properties draw:fill="solid" draw:fill-color="#cfd5e9" style:repeat="repeat" draw:textarea-vertical-align="top" fo:padding-top="0.127cm" fo:padding-bottom="0.127cm" fo:padding-left="0.254cm" fo:padding-right="0.254cm"/>
-      <style:paragraph-properties fo:margin-left="0cm" fo:margin-right="0cm" fo:margin-top="0cm" fo:margin-bottom="0cm" fo:text-align="start" fo:text-indent="0cm" style:border-line-width="0.008cm 0cm 0.008cm" fo:border="0.008cm solid #ffffff" style:punctuation-wrap="hanging" style:writing-mode="lr-tb"/>
-      <style:text-properties fo:color="#ffffff" style:text-line-through-style="none" fo:letter-spacing="normal" fo:font-style="normal" style:text-underline-style="none" fo:font-weight="normal" style:font-style-asian="normal" style:font-weight-asian="normal" style:font-style-complex="normal" style:font-weight-complex="normal" fo:hyphenate="false"/>
-    </style:style>
     <style:style style:name="P1" style:family="paragraph">
       <style:paragraph-properties style:font-independent-line-spacing="true"/>
       <style:text-properties fo:font-size="18pt"/>
@@ -281,7 +141,14 @@
     </style:style>
     <style:style style:name="P4" style:family="paragraph">
       <style:paragraph-properties fo:margin-left="0cm" fo:margin-right="0cm" fo:margin-top="0cm" fo:margin-bottom="0cm" fo:text-align="start" fo:text-indent="0cm" style:punctuation-wrap="hanging" style:writing-mode="lr-tb"/>
-      <style:text-properties fo:hyphenate="false"/>
+      <style:text-properties fo:color="#ffffff" style:text-line-through-style="none" fo:letter-spacing="normal" fo:font-style="normal" style:text-underline-style="none" fo:font-weight="normal" style:font-style-asian="normal" style:font-weight-asian="normal" style:font-style-complex="normal" style:font-weight-complex="normal" fo:hyphenate="false"/>
+    </style:style>
+    <style:style style:name="P5" style:family="paragraph">
+      <style:paragraph-properties fo:margin-left="0cm" fo:margin-right="0cm" fo:margin-top="0cm" fo:margin-bottom="0cm" fo:text-align="start" fo:text-indent="0cm" style:punctuation-wrap="hanging" style:writing-mode="lr-tb"/>
+      <style:text-properties fo:letter-spacing="normal" fo:hyphenate="false"/>
+    </style:style>
+    <style:style style:name="P6" style:family="paragraph">
+      <style:text-properties fo:letter-spacing="normal"/>
     </style:style>
     <style:style style:name="T1" style:family="text">
       <style:text-properties fo:color="#000000" style:text-line-through-style="none" fo:font-family="'Calibri Light'" fo:font-size="44pt" fo:letter-spacing="normal" fo:font-style="normal" style:text-underline-style="none" fo:font-weight="normal" style:font-size-asian="44pt" style:font-style-asian="normal" style:font-weight-asian="normal" style:font-size-complex="44pt" style:font-style-complex="normal" style:font-weight-complex="normal"/>
@@ -296,10 +163,10 @@
       <style:text-properties fo:font-family="Calibri" style:font-family-generic="swiss" style:font-pitch="variable" fo:font-size="18pt" style:font-size-asian="18pt" style:font-size-complex="18pt"/>
     </style:style>
     <text:list-style style:name="L1">
-      <text:list-level-style-number text:level="1" style:num-format="">
+      <text:list-level-style-bullet text:level="1" text:bullet-char="●">
         <style:list-level-properties text:min-label-width="0.6cm"/>
-        <style:text-properties fo:color="#ffffff" fo:font-size="45%"/>
-      </text:list-level-style-number>
+        <style:text-properties fo:font-family="StarSymbol" style:use-window-font-color="true" fo:font-size="45%"/>
+      </text:list-level-style-bullet>
       <text:list-level-style-bullet text:level="2" text:bullet-char="●">
         <style:list-level-properties text:space-before="0.6cm" text:min-label-width="0.6cm"/>
         <style:text-properties fo:font-family="StarSymbol" style:use-window-font-color="true" fo:font-size="45%"/>
@@ -338,178 +205,10 @@
       </text:list-level-style-bullet>
     </text:list-style>
     <text:list-style style:name="L2">
-      <text:list-level-style-number text:level="1" style:num-format="">
-        <style:list-level-properties text:min-label-width="0.6cm"/>
-        <style:text-properties fo:color="#ffffff" fo:font-size="45%"/>
-      </text:list-level-style-number>
-      <text:list-level-style-bullet text:level="2" text:bullet-char="●">
-        <style:list-level-properties text:space-before="0.6cm" text:min-label-width="0.6cm"/>
-        <style:text-properties fo:font-family="StarSymbol" style:use-window-font-color="true" fo:font-size="45%"/>
-      </text:list-level-style-bullet>
-      <text:list-level-style-bullet text:level="3" text:bullet-char="●">
-        <style:list-level-properties text:space-before="1.2cm" text:min-label-width="0.6cm"/>
-        <style:text-properties fo:font-family="StarSymbol" style:use-window-font-color="true" fo:font-size="45%"/>
-      </text:list-level-style-bullet>
-      <text:list-level-style-bullet text:level="4" text:bullet-char="●">
-        <style:list-level-properties text:space-before="1.8cm" text:min-label-width="0.6cm"/>
-        <style:text-properties fo:font-family="StarSymbol" style:use-window-font-color="true" fo:font-size="45%"/>
-      </text:list-level-style-bullet>
-      <text:list-level-style-bullet text:level="5" text:bullet-char="●">
-        <style:list-level-properties text:space-before="2.4cm" text:min-label-width="0.6cm"/>
-        <style:text-properties fo:font-family="StarSymbol" style:use-window-font-color="true" fo:font-size="45%"/>
-      </text:list-level-style-bullet>
-      <text:list-level-style-bullet text:level="6" text:bullet-char="●">
-        <style:list-level-properties text:space-before="3cm" text:min-label-width="0.6cm"/>
-        <style:text-properties fo:font-family="StarSymbol" style:use-window-font-color="true" fo:font-size="45%"/>
-      </text:list-level-style-bullet>
-      <text:list-level-style-bullet text:level="7" text:bullet-char="●">
-        <style:list-level-properties text:space-before="3.6cm" text:min-label-width="0.6cm"/>
-        <style:text-properties fo:font-family="StarSymbol" style:use-window-font-color="true" fo:font-size="45%"/>
-      </text:list-level-style-bullet>
-      <text:list-level-style-bullet text:level="8" text:bullet-char="●">
-        <style:list-level-properties text:space-before="4.2cm" text:min-label-width="0.6cm"/>
-        <style:text-properties fo:font-family="StarSymbol" style:use-window-font-color="true" fo:font-size="45%"/>
-      </text:list-level-style-bullet>
-      <text:list-level-style-bullet text:level="9" text:bullet-char="●">
-        <style:list-level-properties text:space-before="4.8cm" text:min-label-width="0.6cm"/>
-        <style:text-properties fo:font-family="StarSymbol" style:use-window-font-color="true" fo:font-size="45%"/>
-      </text:list-level-style-bullet>
-      <text:list-level-style-bullet text:level="10" text:bullet-char="●">
-        <style:list-level-properties text:space-before="5.4cm" text:min-label-width="0.6cm"/>
-        <style:text-properties fo:font-family="StarSymbol" style:use-window-font-color="true" fo:font-size="45%"/>
-      </text:list-level-style-bullet>
-    </text:list-style>
-    <text:list-style style:name="L3">
-      <text:list-level-style-number text:level="1" style:num-format="">
-        <style:list-level-properties text:min-label-width="0.6cm"/>
-        <style:text-properties style:use-window-font-color="true" fo:font-size="45%"/>
-      </text:list-level-style-number>
-      <text:list-level-style-bullet text:level="2" text:bullet-char="●">
-        <style:list-level-properties text:space-before="0.6cm" text:min-label-width="0.6cm"/>
-        <style:text-properties fo:font-family="StarSymbol" style:use-window-font-color="true" fo:font-size="45%"/>
-      </text:list-level-style-bullet>
-      <text:list-level-style-bullet text:level="3" text:bullet-char="●">
-        <style:list-level-properties text:space-before="1.2cm" text:min-label-width="0.6cm"/>
-        <style:text-properties fo:font-family="StarSymbol" style:use-window-font-color="true" fo:font-size="45%"/>
-      </text:list-level-style-bullet>
-      <text:list-level-style-bullet text:level="4" text:bullet-char="●">
-        <style:list-level-properties text:space-before="1.8cm" text:min-label-width="0.6cm"/>
-        <style:text-properties fo:font-family="StarSymbol" style:use-window-font-color="true" fo:font-size="45%"/>
-      </text:list-level-style-bullet>
-      <text:list-level-style-bullet text:level="5" text:bullet-char="●">
-        <style:list-level-properties text:space-before="2.4cm" text:min-label-width="0.6cm"/>
-        <style:text-properties fo:font-family="StarSymbol" style:use-window-font-color="true" fo:font-size="45%"/>
-      </text:list-level-style-bullet>
-      <text:list-level-style-bullet text:level="6" text:bullet-char="●">
-        <style:list-level-properties text:space-before="3cm" text:min-label-width="0.6cm"/>
-        <style:text-properties fo:font-family="StarSymbol" style:use-window-font-color="true" fo:font-size="45%"/>
-      </text:list-level-style-bullet>
-      <text:list-level-style-bullet text:level="7" text:bullet-char="●">
-        <style:list-level-properties text:space-before="3.6cm" text:min-label-width="0.6cm"/>
-        <style:text-properties fo:font-family="StarSymbol" style:use-window-font-color="true" fo:font-size="45%"/>
-      </text:list-level-style-bullet>
-      <text:list-level-style-bullet text:level="8" text:bullet-char="●">
-        <style:list-level-properties text:space-before="4.2cm" text:min-label-width="0.6cm"/>
-        <style:text-properties fo:font-family="StarSymbol" style:use-window-font-color="true" fo:font-size="45%"/>
-      </text:list-level-style-bullet>
-      <text:list-level-style-bullet text:level="9" text:bullet-char="●">
-        <style:list-level-properties text:space-before="4.8cm" text:min-label-width="0.6cm"/>
-        <style:text-properties fo:font-family="StarSymbol" style:use-window-font-color="true" fo:font-size="45%"/>
-      </text:list-level-style-bullet>
-      <text:list-level-style-bullet text:level="10" text:bullet-char="●">
-        <style:list-level-properties text:space-before="5.4cm" text:min-label-width="0.6cm"/>
-        <style:text-properties fo:font-family="StarSymbol" style:use-window-font-color="true" fo:font-size="45%"/>
-      </text:list-level-style-bullet>
-    </text:list-style>
-    <text:list-style style:name="L4">
-      <text:list-level-style-bullet text:level="1" text:bullet-char="●">
-        <style:list-level-properties text:min-label-width="0.6cm"/>
-        <style:text-properties fo:font-family="StarSymbol" style:use-window-font-color="true" fo:font-size="45%"/>
-      </text:list-level-style-bullet>
-      <text:list-level-style-bullet text:level="2" text:bullet-char="●">
-        <style:list-level-properties text:space-before="0.6cm" text:min-label-width="0.6cm"/>
-        <style:text-properties fo:font-family="StarSymbol" style:use-window-font-color="true" fo:font-size="45%"/>
-      </text:list-level-style-bullet>
-      <text:list-level-style-bullet text:level="3" text:bullet-char="●">
-        <style:list-level-properties text:space-before="1.2cm" text:min-label-width="0.6cm"/>
-        <style:text-properties fo:font-family="StarSymbol" style:use-window-font-color="true" fo:font-size="45%"/>
-      </text:list-level-style-bullet>
-      <text:list-level-style-bullet text:level="4" text:bullet-char="●">
-        <style:list-level-properties text:space-before="1.8cm" text:min-label-width="0.6cm"/>
-        <style:text-properties fo:font-family="StarSymbol" style:use-window-font-color="true" fo:font-size="45%"/>
-      </text:list-level-style-bullet>
-      <text:list-level-style-bullet text:level="5" text:bullet-char="●">
-        <style:list-level-properties text:space-before="2.4cm" text:min-label-width="0.6cm"/>
-        <style:text-properties fo:font-family="StarSymbol" style:use-window-font-color="true" fo:font-size="45%"/>
-      </text:list-level-style-bullet>
-      <text:list-level-style-bullet text:level="6" text:bullet-char="●">
-        <style:list-level-properties text:space-before="3cm" text:min-label-width="0.6cm"/>
-        <style:text-properties fo:font-family="StarSymbol" style:use-window-font-color="true" fo:font-size="45%"/>
-      </text:list-level-style-bullet>
-      <text:list-level-style-bullet text:level="7" text:bullet-char="●">
-        <style:list-level-properties text:space-before="3.6cm" text:min-label-width="0.6cm"/>
-        <style:text-properties fo:font-family="StarSymbol" style:use-window-font-color="true" fo:font-size="45%"/>
-      </text:list-level-style-bullet>
-      <text:list-level-style-bullet text:level="8" text:bullet-char="●">
-        <style:list-level-properties text:space-before="4.2cm" text:min-label-width="0.6cm"/>
-        <style:text-properties fo:font-family="StarSymbol" style:use-window-font-color="true" fo:font-size="45%"/>
-      </text:list-level-style-bullet>
-      <text:list-level-style-bullet text:level="9" text:bullet-char="●">
-        <style:list-level-properties text:space-before="4.8cm" text:min-label-width="0.6cm"/>
-        <style:text-properties fo:font-family="StarSymbol" style:use-window-font-color="true" fo:font-size="45%"/>
-      </text:list-level-style-bullet>
-      <text:list-level-style-bullet text:level="10" text:bullet-char="●">
-        <style:list-level-properties text:space-before="5.4cm" text:min-label-width="0.6cm"/>
-        <style:text-properties fo:font-family="StarSymbol" style:use-window-font-color="true" fo:font-size="45%"/>
-      </text:list-level-style-bullet>
-    </text:list-style>
-    <text:list-style style:name="L5">
       <text:list-level-style-number text:level="1" style:num-suffix="." style:num-format="1">
         <style:list-level-properties text:space-before="0.001cm" text:min-label-width="0.952cm"/>
         <style:text-properties style:use-window-font-color="true" fo:font-size="45%"/>
       </text:list-level-style-number>
-      <text:list-level-style-bullet text:level="2" text:bullet-char="●">
-        <style:list-level-properties text:space-before="0.6cm" text:min-label-width="0.6cm"/>
-        <style:text-properties fo:font-family="StarSymbol" style:use-window-font-color="true" fo:font-size="45%"/>
-      </text:list-level-style-bullet>
-      <text:list-level-style-bullet text:level="3" text:bullet-char="●">
-        <style:list-level-properties text:space-before="1.2cm" text:min-label-width="0.6cm"/>
-        <style:text-properties fo:font-family="StarSymbol" style:use-window-font-color="true" fo:font-size="45%"/>
-      </text:list-level-style-bullet>
-      <text:list-level-style-bullet text:level="4" text:bullet-char="●">
-        <style:list-level-properties text:space-before="1.8cm" text:min-label-width="0.6cm"/>
-        <style:text-properties fo:font-family="StarSymbol" style:use-window-font-color="true" fo:font-size="45%"/>
-      </text:list-level-style-bullet>
-      <text:list-level-style-bullet text:level="5" text:bullet-char="●">
-        <style:list-level-properties text:space-before="2.4cm" text:min-label-width="0.6cm"/>
-        <style:text-properties fo:font-family="StarSymbol" style:use-window-font-color="true" fo:font-size="45%"/>
-      </text:list-level-style-bullet>
-      <text:list-level-style-bullet text:level="6" text:bullet-char="●">
-        <style:list-level-properties text:space-before="3cm" text:min-label-width="0.6cm"/>
-        <style:text-properties fo:font-family="StarSymbol" style:use-window-font-color="true" fo:font-size="45%"/>
-      </text:list-level-style-bullet>
-      <text:list-level-style-bullet text:level="7" text:bullet-char="●">
-        <style:list-level-properties text:space-before="3.6cm" text:min-label-width="0.6cm"/>
-        <style:text-properties fo:font-family="StarSymbol" style:use-window-font-color="true" fo:font-size="45%"/>
-      </text:list-level-style-bullet>
-      <text:list-level-style-bullet text:level="8" text:bullet-char="●">
-        <style:list-level-properties text:space-before="4.2cm" text:min-label-width="0.6cm"/>
-        <style:text-properties fo:font-family="StarSymbol" style:use-window-font-color="true" fo:font-size="45%"/>
-      </text:list-level-style-bullet>
-      <text:list-level-style-bullet text:level="9" text:bullet-char="●">
-        <style:list-level-properties text:space-before="4.8cm" text:min-label-width="0.6cm"/>
-        <style:text-properties fo:font-family="StarSymbol" style:use-window-font-color="true" fo:font-size="45%"/>
-      </text:list-level-style-bullet>
-      <text:list-level-style-bullet text:level="10" text:bullet-char="●">
-        <style:list-level-properties text:space-before="5.4cm" text:min-label-width="0.6cm"/>
-        <style:text-properties fo:font-family="StarSymbol" style:use-window-font-color="true" fo:font-size="45%"/>
-      </text:list-level-style-bullet>
-    </text:list-style>
-    <text:list-style style:name="L6">
-      <text:list-level-style-bullet text:level="1" text:bullet-char="●">
-        <style:list-level-properties text:min-label-width="0.6cm"/>
-        <style:text-properties fo:font-family="StarSymbol" style:use-window-font-color="true" fo:font-size="45%"/>
-      </text:list-level-style-bullet>
       <text:list-level-style-bullet text:level="2" text:bullet-char="●">
         <style:list-level-properties text:space-before="0.6cm" text:min-label-width="0.6cm"/>
         <style:text-properties fo:font-family="StarSymbol" style:use-window-font-color="true" fo:font-size="45%"/>
@@ -603,86 +302,86 @@
                 </text:p>
               </table:table-cell>
               <table:table-cell table:style-name="ce2">
-                <text:p text:style-name="P4">
+                <text:p text:style-name="P5">
                   <text:span text:style-name="T3">8</text:span>
                 </text:p>
               </table:table-cell>
             </table:table-row>
             <table:table-row table:style-name="ro1">
               <table:table-cell table:style-name="ce3">
-                <text:p text:style-name="P4">
+                <text:p text:style-name="P5">
                   <text:span text:style-name="T2">Titolo</text:span>
                 </text:p>
               </table:table-cell>
               <table:table-cell table:style-name="ce4">
-                <text:p text:style-name="P4">
+                <text:p text:style-name="P5">
                   <text:span text:style-name="T3">Valutazione proprietario</text:span>
                 </text:p>
               </table:table-cell>
             </table:table-row>
             <table:table-row table:style-name="ro1">
-              <table:table-cell table:style-name="ce5">
-                <text:p text:style-name="P4">
+              <table:table-cell table:style-name="ce1">
+                <text:p text:style-name="P5">
                   <text:span text:style-name="T2">Versione</text:span>
                 </text:p>
               </table:table-cell>
-              <table:table-cell table:style-name="ce6">
-                <text:p text:style-name="P4">
+              <table:table-cell table:style-name="ce2">
+                <text:p text:style-name="P5">
                   <text:span text:style-name="T3">0.0.1</text:span>
                 </text:p>
               </table:table-cell>
             </table:table-row>
             <table:table-row table:style-name="ro1">
-              <table:table-cell table:style-name="ce7">
-                <text:p text:style-name="P4">
+              <table:table-cell table:style-name="ce3">
+                <text:p text:style-name="P5">
                   <text:span text:style-name="T2">Autore</text:span>
                 </text:p>
               </table:table-cell>
-              <table:table-cell table:style-name="ce8">
-                <text:p text:style-name="P4">
+              <table:table-cell table:style-name="ce4">
+                <text:p text:style-name="P5">
                   <text:span text:style-name="T3">Di Carmine </text:span>
                 </text:p>
               </table:table-cell>
             </table:table-row>
             <table:table-row table:style-name="ro1">
-              <table:table-cell table:style-name="ce9">
-                <text:p text:style-name="P4">
+              <table:table-cell table:style-name="ce1">
+                <text:p text:style-name="P5">
                   <text:span text:style-name="T2">Data ultima revisione</text:span>
                 </text:p>
               </table:table-cell>
-              <table:table-cell table:style-name="ce10">
-                <text:p text:style-name="P4">
+              <table:table-cell table:style-name="ce2">
+                <text:p text:style-name="P5">
                   <text:span text:style-name="T3">2019/13/12</text:span>
                 </text:p>
               </table:table-cell>
             </table:table-row>
             <table:table-row table:style-name="ro1">
-              <table:table-cell table:style-name="ce11">
-                <text:p text:style-name="P4">
+              <table:table-cell table:style-name="ce3">
+                <text:p text:style-name="P5">
                   <text:span text:style-name="T2">Autore ultima revisione</text:span>
                 </text:p>
               </table:table-cell>
-              <table:table-cell table:style-name="ce12">
-                <text:p text:style-name="P4">
+              <table:table-cell table:style-name="ce4">
+                <text:p text:style-name="P5">
                   <text:span text:style-name="T3">Nesci, Accorinti, Di Carmine, Rossi</text:span>
                 </text:p>
               </table:table-cell>
             </table:table-row>
             <table:table-row table:style-name="ro2">
-              <table:table-cell table:style-name="ce13">
-                <text:p text:style-name="P4">
+              <table:table-cell table:style-name="ce1">
+                <text:p text:style-name="P5">
                   <text:span text:style-name="T2">Riferimenti e documenti collegati</text:span>
                 </text:p>
               </table:table-cell>
-              <table:table-cell table:style-name="ce14"/>
+              <table:table-cell table:style-name="ce5"/>
             </table:table-row>
             <table:table-row table:style-name="ro3">
-              <table:table-cell table:style-name="ce15">
-                <text:p text:style-name="P4">
+              <table:table-cell table:style-name="ce3">
+                <text:p text:style-name="P5">
                   <text:span text:style-name="T2">Note</text:span>
                 </text:p>
               </table:table-cell>
-              <table:table-cell table:style-name="ce16"/>
+              <table:table-cell table:style-name="ce6"/>
             </table:table-row>
           </table:table>
           <draw:image xlink:href="Pictures/TablePreview1.svm" xlink:type="simple" xlink:show="embed" xlink:actuate="onLoad"/>
@@ -712,81 +411,81 @@
             <table:table-column table:style-name="co3"/>
             <table:table-column table:style-name="co4"/>
             <table:table-row table:style-name="ro1">
-              <table:table-cell table:style-name="ce17">
+              <table:table-cell table:style-name="ce1">
                 <text:p text:style-name="P4">
                   <text:span text:style-name="T2">Trigger</text:span>
                 </text:p>
               </table:table-cell>
-              <table:table-cell table:style-name="ce18">
-                <text:p text:style-name="P4">
+              <table:table-cell table:style-name="ce2">
+                <text:p text:style-name="P5">
                   <text:span text:style-name="T3">Click sul tasto “si” nella notifica, click sul tasto “lascia una valutazione” presente in un annuncio nella schermata cronologia match del profilo, click sul link della mail</text:span>
                 </text:p>
               </table:table-cell>
             </table:table-row>
             <table:table-row table:style-name="ro1">
-              <table:table-cell table:style-name="ce19">
-                <text:p text:style-name="P4">
+              <table:table-cell table:style-name="ce3">
+                <text:p text:style-name="P5">
                   <text:span text:style-name="T2">Frequenza di utilizzo</text:span>
                 </text:p>
               </table:table-cell>
-              <table:table-cell table:style-name="ce20">
-                <text:p text:style-name="P4">
+              <table:table-cell table:style-name="ce4">
+                <text:p text:style-name="P5">
                   <text:span text:style-name="T3">Medium</text:span>
                 </text:p>
               </table:table-cell>
             </table:table-row>
             <table:table-row table:style-name="ro3">
-              <table:table-cell table:style-name="ce21">
-                <text:p text:style-name="P4">
+              <table:table-cell table:style-name="ce1">
+                <text:p text:style-name="P5">
                   <text:span text:style-name="T2">Benefici organizzativi</text:span>
                 </text:p>
               </table:table-cell>
-              <table:table-cell table:style-name="ce22"/>
+              <table:table-cell table:style-name="ce7"/>
             </table:table-row>
             <table:table-row table:style-name="ro1">
-              <table:table-cell table:style-name="ce23">
-                <text:p text:style-name="P4">
+              <table:table-cell table:style-name="ce3">
+                <text:p text:style-name="P5">
                   <text:span text:style-name="T2">Attore principale</text:span>
                 </text:p>
               </table:table-cell>
-              <table:table-cell table:style-name="ce24">
-                <text:p text:style-name="P4">
+              <table:table-cell table:style-name="ce4">
+                <text:p text:style-name="P5">
                   <text:span text:style-name="T3">PetSitter</text:span>
                 </text:p>
               </table:table-cell>
             </table:table-row>
             <table:table-row table:style-name="ro1">
-              <table:table-cell table:style-name="ce25">
-                <text:p text:style-name="P4">
+              <table:table-cell table:style-name="ce1">
+                <text:p text:style-name="P5">
                   <text:span text:style-name="T2">Attori secondari</text:span>
                 </text:p>
               </table:table-cell>
-              <table:table-cell table:style-name="ce26">
-                <text:p text:style-name="P4">
+              <table:table-cell table:style-name="ce2">
+                <text:p text:style-name="P5">
                   <text:span text:style-name="T3">Sistema</text:span>
                 </text:p>
               </table:table-cell>
             </table:table-row>
             <table:table-row table:style-name="ro1">
-              <table:table-cell table:style-name="ce27">
-                <text:p text:style-name="P4">
+              <table:table-cell table:style-name="ce3">
+                <text:p text:style-name="P5">
                   <text:span text:style-name="T2">Pre condizioni</text:span>
                 </text:p>
               </table:table-cell>
-              <table:table-cell table:style-name="ce28">
-                <text:p text:style-name="P4">
+              <table:table-cell table:style-name="ce4">
+                <text:p text:style-name="P5">
                   <text:span text:style-name="T3">Presenza di notifica in qualsiasi schermata dell'app, schermata cronologia valutazione, corpo della mail ricevuta</text:span>
                 </text:p>
               </table:table-cell>
             </table:table-row>
             <table:table-row table:style-name="ro1">
-              <table:table-cell table:style-name="ce29">
-                <text:p text:style-name="P4">
+              <table:table-cell table:style-name="ce1">
+                <text:p text:style-name="P5">
                   <text:span text:style-name="T2">Post condizioni</text:span>
                 </text:p>
               </table:table-cell>
-              <table:table-cell table:style-name="ce30">
-                <text:p text:style-name="P4">
+              <table:table-cell table:style-name="ce2">
+                <text:p text:style-name="P5">
                   <text:span text:style-name="T3">Schermata web di fine valutazione, inserimento della valutazione nel profilo del Proprietario effettuato ed email di valutazione effettuata inviata ad entrambi gli attori</text:span>
                 </text:p>
               </table:table-cell>
@@ -814,83 +513,93 @@
             </text:p>
           </draw:text-box>
         </draw:frame>
-        <draw:frame draw:name="Tabella 4" draw:style-name="standard" draw:layer="layout" svg:width="29.208cm" svg:height="12.389cm" svg:x="2.328cm" svg:y="5.071cm">
+        <draw:frame draw:name="Tabella 4" draw:style-name="standard" draw:layer="layout" svg:width="29.208cm" svg:height="14.714cm" svg:x="2.23cm" svg:y="4.163cm">
           <table:table>
             <table:table-column table:style-name="co5"/>
             <table:table-column table:style-name="co6"/>
             <table:table-row table:style-name="ro4">
-              <table:table-cell table:style-name="ce31">
+              <table:table-cell table:style-name="ce1">
                 <text:p text:style-name="P4">
                   <text:span text:style-name="T2">Flusso principale</text:span>
                 </text:p>
               </table:table-cell>
-              <table:table-cell table:style-name="ce32">
-                <text:list text:style-name="L5">
+              <table:table-cell table:style-name="ce2">
+                <text:list text:style-name="L2">
                   <text:list-item>
-                    <text:p text:style-name="P4">
+                    <text:p text:style-name="P5">
                       <text:span text:style-name="T3">Il PetSitter clicca sul link della mail ricevuta dopo la scadenza dell'annuncio del match, o clicca su lascia una valutazione nella schermata cronologia match, o clicca “si” nella notifica ricevuta sull'app.</text:span>
                     </text:p>
                   </text:list-item>
                   <text:list-item>
-                    <text:p text:style-name="P4">
+                    <text:p text:style-name="P5">
                       <text:span text:style-name="T3">Il Sistema redirige il PetSitter nella pagina web di valutazione.</text:span>
                     </text:p>
                   </text:list-item>
                   <text:list-item>
-                    <text:p text:style-name="P4">
+                    <text:p text:style-name="P5">
                       <text:span text:style-name="T3">Il PetSitter inserisce numero di stelle ed un commento (opzionale).</text:span>
                     </text:p>
                   </text:list-item>
                   <text:list-item>
-                    <text:p text:style-name="P4">
+                    <text:p text:style-name="P5">
                       <text:span text:style-name="T3">Il PetSitter clicca su invio valutazione.</text:span>
                     </text:p>
                   </text:list-item>
                   <text:list-item>
-                    <text:p text:style-name="P4">
-                      <text:span text:style-name="T3">Il PetSitter visualizza la pagina web di valutazione effettuata con successo</text:span>
+                    <text:p text:style-name="P5">
+                      <text:span text:style-name="T3">Il Sistema salva la valutazione sul profilo del Proprietario.</text:span>
+                    </text:p>
+                  </text:list-item>
+                  <text:list-item>
+                    <text:p text:style-name="P5">
+                      <text:span text:style-name="T3">Il Sistema invia una email di conferma al Pet Sitter ed una di notifica al Proprietario.</text:span>
+                    </text:p>
+                  </text:list-item>
+                  <text:list-item>
+                    <text:p text:style-name="P5">
+                      <text:span text:style-name="T3">Il Sistema redirige il PetSitter nella pagina web di valutazione effettuata con successo</text:span>
                     </text:p>
                   </text:list-item>
                 </text:list>
-                <text:p text:style-name="P4">
+                <text:p text:style-name="P5">
                   <text:span text:style-name="T3"/>
                 </text:p>
               </table:table-cell>
             </table:table-row>
             <table:table-row table:style-name="ro5">
-              <table:table-cell table:style-name="ce33">
-                <text:p text:style-name="P4">
+              <table:table-cell table:style-name="ce3">
+                <text:p text:style-name="P5">
                   <text:span text:style-name="T2">Flusso Alternativo 1</text:span>
                 </text:p>
               </table:table-cell>
-              <table:table-cell table:style-name="ce34">
-                <text:p text:style-name="P4">
-                  <text:span text:style-name="T3">Punto 1: Il PetSitter ha già lasciato una valutazione per un annuncio</text:span>
-                </text:p>
-                <text:p text:style-name="P4">
+              <table:table-cell table:style-name="ce4">
+                <text:p text:style-name="P5">
+                  <text:span text:style-name="T3">Punto 1: Il PetSitter ha già lasciato una valutazione per un annuncio.</text:span>
+                </text:p>
+                <text:p text:style-name="P5">
                   <text:span text:style-name="T3">Il Sistema non fa comparire il tasto “lascia una valutazione” sull'annuncio in cronologia match.</text:span>
                 </text:p>
               </table:table-cell>
             </table:table-row>
             <table:table-row table:style-name="ro3">
-              <table:table-cell table:style-name="ce35">
-                <text:p text:style-name="P4">
+              <table:table-cell table:style-name="ce1">
+                <text:p text:style-name="P5">
                   <text:span text:style-name="T2">Flusso eccezionale 1</text:span>
                 </text:p>
               </table:table-cell>
-              <table:table-cell table:style-name="ce22">
-                <text:p>
-                  <text:span text:style-name="T4">Punto 5: La valutazione non è stata inserita </text:span>
-                </text:p>
-                <text:p>
-                  <text:span text:style-name="T4">Il PetSitter visualizza la pagina web di inserimento valutazione non riuscita e viene invitato a riprovare in un secondo momento.</text:span>
+              <table:table-cell table:style-name="ce7">
+                <text:p text:style-name="P6">
+                  <text:span text:style-name="T4">Punto 5: La valutazione non è stata inserita.</text:span>
+                </text:p>
+                <text:p text:style-name="P6">
+                  <text:span text:style-name="T4">Il PetSitter viene rediretto alla pagina web di inserimento valutazione non riuscita e viene invitato a riprovare in un secondo momento.</text:span>
                 </text:p>
               </table:table-cell>
             </table:table-row>
           </table:table>
           <draw:image xlink:href="Pictures/TablePreview3.svm" xlink:type="simple" xlink:show="embed" xlink:actuate="onLoad"/>
         </draw:frame>
-        <draw:frame draw:name="Elemento grafico 7" draw:style-name="gr2" draw:text-style-name="P2" draw:layer="layout" svg:width="5.024cm" svg:height="5.024cm" svg:x="28.841cm" svg:y="-0.007cm">
+        <draw:frame draw:name="Elemento grafico 7" draw:style-name="gr2" draw:text-style-name="P2" draw:layer="layout" svg:width="5.024cm" svg:height="5.024cm" svg:x="28.841cm" svg:y="-0.424cm">
           <draw:image xlink:href="Pictures/100002010000018000000180B5D708DA.png" xlink:type="simple" xlink:show="embed" xlink:actuate="onLoad">
             <text:p/>
           </draw:image>
@@ -911,9 +620,11 @@
 <file path=meta.xml><?xml version="1.0" encoding="utf-8"?>
 <office:document-meta xmlns:office="urn:oasis:names:tc:opendocument:xmlns:office:1.0" xmlns:xlink="http://www.w3.org/1999/xlink" xmlns:dc="http://purl.org/dc/elements/1.1/" xmlns:meta="urn:oasis:names:tc:opendocument:xmlns:meta:1.0" xmlns:presentation="urn:oasis:names:tc:opendocument:xmlns:presentation:1.0" xmlns:ooo="http://openoffice.org/2004/office" xmlns:smil="urn:oasis:names:tc:opendocument:xmlns:smil-compatible:1.0" xmlns:anim="urn:oasis:names:tc:opendocument:xmlns:animation:1.0" xmlns:grddl="http://www.w3.org/2003/g/data-view#" xmlns:officeooo="http://openoffice.org/2009/office" xmlns:drawooo="http://openoffice.org/2010/draw" office:version="1.2">
   <office:meta>
-    <dc:date>2019-12-15T12:12:48.24</dc:date>
+    <dc:date>2019-12-15T12:51:06.50</dc:date>
+    <meta:generator>OpenOffice/4.1.5$Win32 OpenOffice.org_project/415m1$Build-9789</meta:generator>
+    <meta:editing-duration>PT5M6S</meta:editing-duration>
+    <meta:editing-cycles>1</meta:editing-cycles>
     <meta:document-statistic meta:object-count="53"/>
-    <meta:generator>OpenOffice/4.1.5$Win32 OpenOffice.org_project/415m1$Build-9789</meta:generator>
   </office:meta>
 </office:document-meta>
 </file>
@@ -922,7 +633,7 @@
 <office:document-settings xmlns:office="urn:oasis:names:tc:opendocument:xmlns:office:1.0" xmlns:xlink="http://www.w3.org/1999/xlink" xmlns:presentation="urn:oasis:names:tc:opendocument:xmlns:presentation:1.0" xmlns:config="urn:oasis:names:tc:opendocument:xmlns:config:1.0" xmlns:ooo="http://openoffice.org/2004/office" xmlns:smil="urn:oasis:names:tc:opendocument:xmlns:smil-compatible:1.0" xmlns:anim="urn:oasis:names:tc:opendocument:xmlns:animation:1.0" xmlns:officeooo="http://openoffice.org/2009/office" xmlns:drawooo="http://openoffice.org/2010/draw" office:version="1.2">
   <office:settings>
     <config:config-item-set config:name="ooo:view-settings">
-      <config:config-item config:name="VisibleAreaTop" config:type="int">-3106</config:config-item>
+      <config:config-item config:name="VisibleAreaTop" config:type="int">-268</config:config-item>
       <config:config-item config:name="VisibleAreaLeft" config:type="int">-5215</config:config-item>
       <config:config-item config:name="VisibleAreaWidth" config:type="int">44864</config:config-item>
       <config:config-item config:name="VisibleAreaHeight" config:type="int">19863</config:config-item>
@@ -947,7 +658,7 @@
           <config:config-item config:name="NoColors" config:type="boolean">true</config:config-item>
           <config:config-item config:name="RulerIsVisible" config:type="boolean">false</config:config-item>
           <config:config-item config:name="PageKind" config:type="short">0</config:config-item>
-          <config:config-item config:name="SelectedPage" config:type="short">1</config:config-item>
+          <config:config-item config:name="SelectedPage" config:type="short">3</config:config-item>
           <config:config-item config:name="IsLayerMode" config:type="boolean">false</config:config-item>
           <config:config-item config:name="IsBigHandles" config:type="boolean">true</config:config-item>
           <config:config-item config:name="IsDoubleClickTextEdit" config:type="boolean">true</config:config-item>
@@ -956,7 +667,7 @@
           <config:config-item config:name="EditModeStandard" config:type="int">0</config:config-item>
           <config:config-item config:name="EditModeNotes" config:type="int">0</config:config-item>
           <config:config-item config:name="EditModeHandout" config:type="int">1</config:config-item>
-          <config:config-item config:name="VisibleAreaTop" config:type="int">-3106</config:config-item>
+          <config:config-item config:name="VisibleAreaTop" config:type="int">-268</config:config-item>
           <config:config-item config:name="VisibleAreaLeft" config:type="int">-5215</config:config-item>
           <config:config-item config:name="VisibleAreaWidth" config:type="int">44865</config:config-item>
           <config:config-item config:name="VisibleAreaHeight" config:type="int">19864</config:config-item>
@@ -1600,7 +1311,7 @@
     </style:style>
     <style:style style:name="MP3" style:family="paragraph">
       <style:paragraph-properties fo:margin-top="0cm" fo:margin-bottom="0cm" fo:line-height="90%" fo:text-align="start" style:punctuation-wrap="hanging" style:writing-mode="lr-tb"/>
-      <style:text-properties fo:font-size="18pt" fo:hyphenate="false"/>
+      <style:text-properties fo:hyphenate="false"/>
     </style:style>
     <style:style style:name="MP4" style:family="paragraph">
       <style:paragraph-properties style:font-independent-line-spacing="true"/>
@@ -1608,7 +1319,7 @@
     </style:style>
     <style:style style:name="MP5" style:family="paragraph">
       <style:paragraph-properties fo:margin-left="0cm" fo:margin-right="0cm" fo:margin-top="0cm" fo:margin-bottom="0cm" fo:text-align="start" fo:text-indent="0cm" style:punctuation-wrap="hanging" style:writing-mode="lr-tb"/>
-      <style:text-properties fo:font-size="14pt" style:font-size-asian="14pt" style:font-size-complex="14pt" fo:hyphenate="false"/>
+      <style:text-properties fo:font-size="18pt" style:font-size-asian="14pt" style:font-size-complex="14pt" fo:hyphenate="false"/>
     </style:style>
     <style:style style:name="MP6" style:family="paragraph">
       <style:paragraph-properties style:font-independent-line-spacing="true"/>
@@ -1623,32 +1334,32 @@
       <style:text-properties fo:font-size="18pt" style:font-size-asian="14pt" style:font-size-complex="14pt"/>
     </style:style>
     <style:style style:name="MP9" style:family="paragraph">
-      <style:text-properties fo:font-size="18pt"/>
+      <style:paragraph-properties fo:margin-left="0cm" fo:margin-right="0cm" fo:margin-top="0.353cm" fo:margin-bottom="0.5cm" fo:line-height="90%" fo:text-align="start" fo:text-indent="0cm" style:punctuation-wrap="hanging" style:writing-mode="lr-tb"/>
+      <style:text-properties fo:hyphenate="false"/>
     </style:style>
     <style:style style:name="MP10" style:family="paragraph">
-      <style:paragraph-properties fo:margin-left="0cm" fo:margin-right="0cm" fo:margin-top="0.353cm" fo:margin-bottom="0.5cm" fo:line-height="90%" fo:text-align="start" fo:text-indent="0cm" style:punctuation-wrap="hanging" style:writing-mode="lr-tb"/>
-      <style:text-properties fo:font-size="18pt" fo:hyphenate="false"/>
-    </style:style>
-    <style:style style:name="MP11" style:family="paragraph">
       <style:paragraph-properties fo:margin-left="0cm" fo:margin-right="0cm" fo:margin-top="0.176cm" fo:margin-bottom="0.5cm" fo:line-height="90%" fo:text-align="start" fo:text-indent="0cm" style:punctuation-wrap="hanging" style:writing-mode="lr-tb"/>
-      <style:text-properties fo:font-size="18pt" fo:hyphenate="false"/>
+      <style:text-properties fo:hyphenate="false"/>
     </style:style>
     <style:style style:name="MT1" style:family="text">
+      <style:text-properties fo:font-size="14pt" style:font-size-asian="14pt" style:font-size-complex="14pt"/>
+    </style:style>
+    <style:style style:name="MT2" style:family="text">
       <style:text-properties fo:color="#000000" style:text-line-through-style="none" fo:font-family="'Calibri Light'" fo:font-size="60pt" fo:letter-spacing="normal" fo:font-style="normal" style:text-underline-style="none" fo:font-weight="normal" style:font-size-asian="60pt" style:font-style-asian="normal" style:font-weight-asian="normal" style:font-size-complex="60pt" style:font-style-complex="normal" style:font-weight-complex="normal"/>
     </style:style>
-    <style:style style:name="MT2" style:family="text">
+    <style:style style:name="MT3" style:family="text">
       <style:text-properties fo:color="#000000" style:text-line-through-style="none" fo:font-family="Calibri" fo:font-size="18pt" fo:letter-spacing="normal" fo:font-style="normal" style:text-underline-style="none" fo:font-weight="normal" style:font-size-asian="18pt" style:font-style-asian="normal" style:font-weight-asian="normal" style:font-size-complex="18pt" style:font-style-complex="normal" style:font-weight-complex="normal"/>
     </style:style>
-    <style:style style:name="MT3" style:family="text">
+    <style:style style:name="MT4" style:family="text">
       <style:text-properties fo:color="#000000" style:text-line-through-style="none" fo:font-family="'Calibri Light'" fo:font-size="44pt" fo:letter-spacing="normal" fo:font-style="normal" style:text-underline-style="none" fo:font-weight="normal" style:font-size-asian="44pt" style:font-style-asian="normal" style:font-weight-asian="normal" style:font-size-complex="44pt" style:font-style-complex="normal" style:font-weight-complex="normal"/>
     </style:style>
-    <style:style style:name="MT4" style:family="text">
+    <style:style style:name="MT5" style:family="text">
       <style:text-properties fo:color="#000000" style:text-line-through-style="none" fo:font-family="Calibri" fo:font-size="28pt" fo:letter-spacing="normal" fo:font-style="normal" style:text-underline-style="none" fo:font-weight="normal" style:font-size-asian="28pt" style:font-style-asian="normal" style:font-weight-asian="normal" style:font-size-complex="28pt" style:font-style-complex="normal" style:font-weight-complex="normal"/>
     </style:style>
-    <style:style style:name="MT5" style:family="text">
+    <style:style style:name="MT6" style:family="text">
       <style:text-properties fo:color="#000000" style:text-line-through-style="none" fo:font-family="Calibri" fo:font-size="24pt" fo:letter-spacing="normal" fo:font-style="normal" style:text-underline-style="none" fo:font-weight="normal" style:font-size-asian="24pt" style:font-style-asian="normal" style:font-weight-asian="normal" style:font-size-complex="24pt" style:font-style-complex="normal" style:font-weight-complex="normal"/>
     </style:style>
-    <style:style style:name="MT6" style:family="text">
+    <style:style style:name="MT7" style:family="text">
       <style:text-properties fo:color="#000000" style:text-line-through-style="none" fo:font-family="Calibri" fo:font-size="20pt" fo:letter-spacing="normal" fo:font-style="normal" style:text-underline-style="none" fo:font-weight="normal" style:font-size-asian="20pt" style:font-style-asian="normal" style:font-weight-asian="normal" style:font-size-complex="20pt" style:font-style-complex="normal" style:font-weight-complex="normal"/>
     </style:style>
     <text:list-style style:name="ML1">
@@ -1694,10 +1405,10 @@
       </text:list-level-style-bullet>
     </text:list-style>
     <text:list-style style:name="ML2">
-      <text:list-level-style-number text:level="1" style:num-format="">
+      <text:list-level-style-bullet text:level="1" text:bullet-char="●">
         <style:list-level-properties text:min-label-width="0.6cm"/>
-        <style:text-properties style:use-window-font-color="true" fo:font-size="45%"/>
-      </text:list-level-style-number>
+        <style:text-properties fo:font-family="StarSymbol" style:use-window-font-color="true" fo:font-size="45%"/>
+      </text:list-level-style-bullet>
       <text:list-level-style-bullet text:level="2" text:bullet-char="●">
         <style:list-level-properties text:space-before="0.6cm" text:min-label-width="0.6cm"/>
         <style:text-properties fo:font-family="StarSymbol" style:use-window-font-color="true" fo:font-size="45%"/>
@@ -1737,50 +1448,50 @@
     </text:list-style>
     <text:list-style style:name="ML3">
       <text:list-level-style-bullet text:level="1" text:bullet-char="●">
-        <style:list-level-properties text:min-label-width="0.6cm"/>
-        <style:text-properties fo:font-family="StarSymbol" style:use-window-font-color="true" fo:font-size="45%"/>
-      </text:list-level-style-bullet>
-      <text:list-level-style-bullet text:level="2" text:bullet-char="●">
-        <style:list-level-properties text:space-before="0.6cm" text:min-label-width="0.6cm"/>
-        <style:text-properties fo:font-family="StarSymbol" style:use-window-font-color="true" fo:font-size="45%"/>
+        <style:list-level-properties text:space-before="0.3cm" text:min-label-width="0.9cm"/>
+        <style:text-properties fo:font-family="StarSymbol" style:use-window-font-color="true" fo:font-size="45%"/>
+      </text:list-level-style-bullet>
+      <text:list-level-style-bullet text:level="2" text:bullet-char="–">
+        <style:list-level-properties text:space-before="1.5cm" text:min-label-width="0.9cm"/>
+        <style:text-properties fo:font-family="StarSymbol" style:use-window-font-color="true" fo:font-size="75%"/>
       </text:list-level-style-bullet>
       <text:list-level-style-bullet text:level="3" text:bullet-char="●">
-        <style:list-level-properties text:space-before="1.2cm" text:min-label-width="0.6cm"/>
-        <style:text-properties fo:font-family="StarSymbol" style:use-window-font-color="true" fo:font-size="45%"/>
-      </text:list-level-style-bullet>
-      <text:list-level-style-bullet text:level="4" text:bullet-char="●">
-        <style:list-level-properties text:space-before="1.8cm" text:min-label-width="0.6cm"/>
-        <style:text-properties fo:font-family="StarSymbol" style:use-window-font-color="true" fo:font-size="45%"/>
+        <style:list-level-properties text:space-before="2.8cm" text:min-label-width="0.8cm"/>
+        <style:text-properties fo:font-family="StarSymbol" style:use-window-font-color="true" fo:font-size="45%"/>
+      </text:list-level-style-bullet>
+      <text:list-level-style-bullet text:level="4" text:bullet-char="–">
+        <style:list-level-properties text:space-before="4.2cm" text:min-label-width="0.6cm"/>
+        <style:text-properties fo:font-family="StarSymbol" style:use-window-font-color="true" fo:font-size="75%"/>
       </text:list-level-style-bullet>
       <text:list-level-style-bullet text:level="5" text:bullet-char="●">
-        <style:list-level-properties text:space-before="2.4cm" text:min-label-width="0.6cm"/>
+        <style:list-level-properties text:space-before="5.4cm" text:min-label-width="0.6cm"/>
         <style:text-properties fo:font-family="StarSymbol" style:use-window-font-color="true" fo:font-size="45%"/>
       </text:list-level-style-bullet>
       <text:list-level-style-bullet text:level="6" text:bullet-char="●">
-        <style:list-level-properties text:space-before="3cm" text:min-label-width="0.6cm"/>
+        <style:list-level-properties text:space-before="6.6cm" text:min-label-width="0.6cm"/>
         <style:text-properties fo:font-family="StarSymbol" style:use-window-font-color="true" fo:font-size="45%"/>
       </text:list-level-style-bullet>
       <text:list-level-style-bullet text:level="7" text:bullet-char="●">
-        <style:list-level-properties text:space-before="3.6cm" text:min-label-width="0.6cm"/>
+        <style:list-level-properties text:space-before="7.8cm" text:min-label-width="0.6cm"/>
         <style:text-properties fo:font-family="StarSymbol" style:use-window-font-color="true" fo:font-size="45%"/>
       </text:list-level-style-bullet>
       <text:list-level-style-bullet text:level="8" text:bullet-char="●">
-        <style:list-level-properties text:space-before="4.2cm" text:min-label-width="0.6cm"/>
+        <style:list-level-properties text:space-before="9cm" text:min-label-width="0.6cm"/>
         <style:text-properties fo:font-family="StarSymbol" style:use-window-font-color="true" fo:font-size="45%"/>
       </text:list-level-style-bullet>
       <text:list-level-style-bullet text:level="9" text:bullet-char="●">
-        <style:list-level-properties text:space-before="4.8cm" text:min-label-width="0.6cm"/>
+        <style:list-level-properties text:space-before="10.2cm" text:min-label-width="0.6cm"/>
         <style:text-properties fo:font-family="StarSymbol" style:use-window-font-color="true" fo:font-size="45%"/>
       </text:list-level-style-bullet>
       <text:list-level-style-bullet text:level="10" text:bullet-char="●">
-        <style:list-level-properties text:space-before="5.4cm" text:min-label-width="0.6cm"/>
+        <style:list-level-properties text:space-before="11.4cm" text:min-label-width="0.6cm"/>
         <style:text-properties fo:font-family="StarSymbol" style:use-window-font-color="true" fo:font-size="45%"/>
       </text:list-level-style-bullet>
     </text:list-style>
     <text:list-style style:name="ML4">
-      <text:list-level-style-bullet text:level="1" text:bullet-char="●">
-        <style:list-level-properties text:space-before="0.3cm" text:min-label-width="0.9cm"/>
-        <style:text-properties fo:font-family="StarSymbol" style:use-window-font-color="true" fo:font-size="45%"/>
+      <text:list-level-style-bullet text:level="1" text:bullet-char="•">
+        <style:list-level-properties text:space-before="0.001cm" text:min-label-width="0.634cm"/>
+        <style:text-properties fo:font-family="Arial" style:font-family-generic="swiss" style:use-window-font-color="true" fo:font-size="45%"/>
       </text:list-level-style-bullet>
       <text:list-level-style-bullet text:level="2" text:bullet-char="–">
         <style:list-level-properties text:space-before="1.5cm" text:min-label-width="0.9cm"/>
@@ -1824,9 +1535,9 @@
         <style:list-level-properties text:space-before="0.001cm" text:min-label-width="0.634cm"/>
         <style:text-properties fo:font-family="Arial" style:font-family-generic="swiss" style:use-window-font-color="true" fo:font-size="45%"/>
       </text:list-level-style-bullet>
-      <text:list-level-style-bullet text:level="2" text:bullet-char="–">
-        <style:list-level-properties text:space-before="1.5cm" text:min-label-width="0.9cm"/>
-        <style:text-properties fo:font-family="StarSymbol" style:use-window-font-color="true" fo:font-size="75%"/>
+      <text:list-level-style-bullet text:level="2" text:bullet-char="•">
+        <style:list-level-properties text:space-before="1.271cm" text:min-label-width="0.634cm"/>
+        <style:text-properties fo:font-family="Arial" style:font-family-generic="swiss" style:use-window-font-color="true" fo:font-size="75%"/>
       </text:list-level-style-bullet>
       <text:list-level-style-bullet text:level="3" text:bullet-char="●">
         <style:list-level-properties text:space-before="2.8cm" text:min-label-width="0.8cm"/>
@@ -1870,9 +1581,9 @@
         <style:list-level-properties text:space-before="1.271cm" text:min-label-width="0.634cm"/>
         <style:text-properties fo:font-family="Arial" style:font-family-generic="swiss" style:use-window-font-color="true" fo:font-size="75%"/>
       </text:list-level-style-bullet>
-      <text:list-level-style-bullet text:level="3" text:bullet-char="●">
-        <style:list-level-properties text:space-before="2.8cm" text:min-label-width="0.8cm"/>
-        <style:text-properties fo:font-family="StarSymbol" style:use-window-font-color="true" fo:font-size="45%"/>
+      <text:list-level-style-bullet text:level="3" text:bullet-char="•">
+        <style:list-level-properties text:space-before="2.541cm" text:min-label-width="0.634cm"/>
+        <style:text-properties fo:font-family="Arial" style:font-family-generic="swiss" style:use-window-font-color="true" fo:font-size="45%"/>
       </text:list-level-style-bullet>
       <text:list-level-style-bullet text:level="4" text:bullet-char="–">
         <style:list-level-properties text:space-before="4.2cm" text:min-label-width="0.6cm"/>
@@ -1916,48 +1627,6 @@
         <style:list-level-properties text:space-before="2.541cm" text:min-label-width="0.634cm"/>
         <style:text-properties fo:font-family="Arial" style:font-family-generic="swiss" style:use-window-font-color="true" fo:font-size="45%"/>
       </text:list-level-style-bullet>
-      <text:list-level-style-bullet text:level="4" text:bullet-char="–">
-        <style:list-level-properties text:space-before="4.2cm" text:min-label-width="0.6cm"/>
-        <style:text-properties fo:font-family="StarSymbol" style:use-window-font-color="true" fo:font-size="75%"/>
-      </text:list-level-style-bullet>
-      <text:list-level-style-bullet text:level="5" text:bullet-char="●">
-        <style:list-level-properties text:space-before="5.4cm" text:min-label-width="0.6cm"/>
-        <style:text-properties fo:font-family="StarSymbol" style:use-window-font-color="true" fo:font-size="45%"/>
-      </text:list-level-style-bullet>
-      <text:list-level-style-bullet text:level="6" text:bullet-char="●">
-        <style:list-level-properties text:space-before="6.6cm" text:min-label-width="0.6cm"/>
-        <style:text-properties fo:font-family="StarSymbol" style:use-window-font-color="true" fo:font-size="45%"/>
-      </text:list-level-style-bullet>
-      <text:list-level-style-bullet text:level="7" text:bullet-char="●">
-        <style:list-level-properties text:space-before="7.8cm" text:min-label-width="0.6cm"/>
-        <style:text-properties fo:font-family="StarSymbol" style:use-window-font-color="true" fo:font-size="45%"/>
-      </text:list-level-style-bullet>
-      <text:list-level-style-bullet text:level="8" text:bullet-char="●">
-        <style:list-level-properties text:space-before="9cm" text:min-label-width="0.6cm"/>
-        <style:text-properties fo:font-family="StarSymbol" style:use-window-font-color="true" fo:font-size="45%"/>
-      </text:list-level-style-bullet>
-      <text:list-level-style-bullet text:level="9" text:bullet-char="●">
-        <style:list-level-properties text:space-before="10.2cm" text:min-label-width="0.6cm"/>
-        <style:text-properties fo:font-family="StarSymbol" style:use-window-font-color="true" fo:font-size="45%"/>
-      </text:list-level-style-bullet>
-      <text:list-level-style-bullet text:level="10" text:bullet-char="●">
-        <style:list-level-properties text:space-before="11.4cm" text:min-label-width="0.6cm"/>
-        <style:text-properties fo:font-family="StarSymbol" style:use-window-font-color="true" fo:font-size="45%"/>
-      </text:list-level-style-bullet>
-    </text:list-style>
-    <text:list-style style:name="ML8">
-      <text:list-level-style-bullet text:level="1" text:bullet-char="•">
-        <style:list-level-properties text:space-before="0.001cm" text:min-label-width="0.634cm"/>
-        <style:text-properties fo:font-family="Arial" style:font-family-generic="swiss" style:use-window-font-color="true" fo:font-size="45%"/>
-      </text:list-level-style-bullet>
-      <text:list-level-style-bullet text:level="2" text:bullet-char="•">
-        <style:list-level-properties text:space-before="1.271cm" text:min-label-width="0.634cm"/>
-        <style:text-properties fo:font-family="Arial" style:font-family-generic="swiss" style:use-window-font-color="true" fo:font-size="75%"/>
-      </text:list-level-style-bullet>
-      <text:list-level-style-bullet text:level="3" text:bullet-char="•">
-        <style:list-level-properties text:space-before="2.541cm" text:min-label-width="0.634cm"/>
-        <style:text-properties fo:font-family="Arial" style:font-family-generic="swiss" style:use-window-font-color="true" fo:font-size="45%"/>
-      </text:list-level-style-bullet>
       <text:list-level-style-bullet text:level="4" text:bullet-char="•">
         <style:list-level-properties text:space-before="3.811cm" text:min-label-width="0.634cm"/>
         <style:text-properties fo:font-family="Arial" style:font-family-generic="swiss" style:use-window-font-color="true" fo:font-size="75%"/>
@@ -1987,7 +1656,7 @@
         <style:text-properties fo:font-family="StarSymbol" style:use-window-font-color="true" fo:font-size="45%"/>
       </text:list-level-style-bullet>
     </text:list-style>
-    <text:list-style style:name="ML9">
+    <text:list-style style:name="ML8">
       <text:list-level-style-bullet text:level="1" text:bullet-char="•">
         <style:list-level-properties text:space-before="0.001cm" text:min-label-width="0.634cm"/>
         <style:text-properties fo:font-family="Arial" style:font-family-generic="swiss" style:use-window-font-color="true" fo:font-size="45%"/>
@@ -2048,28 +1717,36 @@
       <draw:frame draw:style-name="Mgr1" draw:text-style-name="MP1" draw:layer="backgroundobjects" svg:width="9.113cm" svg:height="1.484cm" svg:x="0cm" svg:y="0cm" presentation:class="header">
         <draw:text-box>
           <text:p text:style-name="MP1">
-            <presentation:header/>
+            <text:span text:style-name="MT1">
+              <presentation:header/>
+            </text:span>
           </text:p>
         </draw:text-box>
       </draw:frame>
       <draw:frame draw:style-name="Mgr1" draw:text-style-name="MP2" draw:layer="backgroundobjects" svg:width="9.113cm" svg:height="1.484cm" svg:x="11.886cm" svg:y="0cm" presentation:class="date-time">
         <draw:text-box>
           <text:p text:style-name="MP2">
-            <presentation:date-time/>
+            <text:span text:style-name="MT1">
+              <presentation:date-time/>
+            </text:span>
           </text:p>
         </draw:text-box>
       </draw:frame>
       <draw:frame draw:style-name="Mgr2" draw:text-style-name="MP1" draw:layer="backgroundobjects" svg:width="9.113cm" svg:height="1.484cm" svg:x="0cm" svg:y="28.215cm" presentation:class="footer">
         <draw:text-box>
           <text:p text:style-name="MP1">
-            <presentation:footer/>
+            <text:span text:style-name="MT1">
+              <presentation:footer/>
+            </text:span>
           </text:p>
         </draw:text-box>
       </draw:frame>
       <draw:frame draw:style-name="Mgr2" draw:text-style-name="MP2" draw:layer="backgroundobjects" svg:width="9.113cm" svg:height="1.484cm" svg:x="11.886cm" svg:y="28.215cm" presentation:class="page-number">
         <draw:text-box>
           <text:p text:style-name="MP2">
-            <text:page-number>&lt;numero&gt;</text:page-number>
+            <text:span text:style-name="MT1">
+              <text:page-number>4</text:page-number>
+            </text:span>
           </text:p>
         </draw:text-box>
       </draw:frame>
@@ -2078,14 +1755,14 @@
       <draw:frame draw:name="Titolo 1" presentation:style-name="Mpr1" draw:text-style-name="MP4" draw:layer="backgroundobjects" svg:width="25.399cm" svg:height="6.631cm" svg:x="4.233cm" svg:y="3.118cm" presentation:class="title" presentation:user-transformed="true">
         <draw:text-box>
           <text:p text:style-name="MP3">
-            <text:span text:style-name="MT1">Fate clic per modificare il formato del testo del titoloFare clic per modificare lo stile del titolo dello schema</text:span>
+            <text:span text:style-name="MT2">Fate clic per modificare il formato del testo del titoloFare clic per modificare lo stile del titolo dello schema</text:span>
           </text:p>
         </draw:text-box>
       </draw:frame>
       <draw:frame draw:name="Segnaposto data 3" presentation:style-name="Mpr2" draw:text-style-name="MP6" draw:layer="backgroundobjects" svg:width="7.619cm" svg:height="1.013cm" svg:x="2.328cm" svg:y="17.657cm" presentation:class="date-time" presentation:user-transformed="true">
         <draw:text-box>
           <text:p text:style-name="MP5">
-            <text:span text:style-name="MT2">
+            <text:span text:style-name="MT3">
               <text:date style:data-style-name="D1" text:date-value="2019-12-15">15/12/19</text:date>
             </text:span>
           </text:p>
@@ -2099,8 +1776,8 @@
       <draw:frame draw:name="Segnaposto numero diapositiva 5" presentation:style-name="Mpr2" draw:text-style-name="MP8" draw:layer="backgroundobjects" svg:width="7.619cm" svg:height="1.013cm" svg:x="23.918cm" svg:y="17.657cm" presentation:class="page-number" presentation:user-transformed="true">
         <draw:text-box>
           <text:p text:style-name="MP5">
-            <text:span text:style-name="MT2">
-              <text:page-number>&lt;numero&gt;</text:page-number>
+            <text:span text:style-name="MT3">
+              <text:page-number>4</text:page-number>
             </text:span>
           </text:p>
         </draw:text-box>
@@ -2116,28 +1793,36 @@
         <draw:frame presentation:style-name="Mpr3" draw:text-style-name="MP1" draw:layer="backgroundobjects" svg:width="9.113cm" svg:height="1.484cm" svg:x="0cm" svg:y="0cm" presentation:class="header">
           <draw:text-box>
             <text:p text:style-name="MP1">
-              <presentation:header/>
+              <text:span text:style-name="MT1">
+                <presentation:header/>
+              </text:span>
             </text:p>
           </draw:text-box>
         </draw:frame>
         <draw:frame presentation:style-name="Mpr3" draw:text-style-name="MP2" draw:layer="backgroundobjects" svg:width="9.113cm" svg:height="1.484cm" svg:x="11.886cm" svg:y="0cm" presentation:class="date-time">
           <draw:text-box>
             <text:p text:style-name="MP2">
-              <presentation:date-time/>
+              <text:span text:style-name="MT1">
+                <presentation:date-time/>
+              </text:span>
             </text:p>
           </draw:text-box>
         </draw:frame>
         <draw:frame presentation:style-name="Mpr4" draw:text-style-name="MP1" draw:layer="backgroundobjects" svg:width="9.113cm" svg:height="1.484cm" svg:x="0cm" svg:y="28.215cm" presentation:class="footer">
           <draw:text-box>
             <text:p text:style-name="MP1">
-              <presentation:footer/>
+              <text:span text:style-name="MT1">
+                <presentation:footer/>
+              </text:span>
             </text:p>
           </draw:text-box>
         </draw:frame>
         <draw:frame presentation:style-name="Mpr4" draw:text-style-name="MP2" draw:layer="backgroundobjects" svg:width="9.113cm" svg:height="1.484cm" svg:x="11.886cm" svg:y="28.215cm" presentation:class="page-number">
           <draw:text-box>
             <text:p text:style-name="MP2">
-              <text:page-number>&lt;numero&gt;</text:page-number>
+              <text:span text:style-name="MT1">
+                <text:page-number>4</text:page-number>
+              </text:span>
             </text:p>
           </draw:text-box>
         </draw:frame>
@@ -2147,51 +1832,51 @@
       <draw:frame draw:name="Titolo 1" presentation:style-name="Mpr5" draw:text-style-name="MP4" draw:layer="backgroundobjects" svg:width="29.209cm" svg:height="3.681cm" svg:x="2.328cm" svg:y="1.014cm" presentation:class="title" presentation:user-transformed="true">
         <draw:text-box>
           <text:p text:style-name="MP3">
-            <text:span text:style-name="MT3">Fate clic per modificare il formato del testo del titoloFare clic per modificare lo stile del titolo dello schema</text:span>
+            <text:span text:style-name="MT4">Fate clic per modificare il formato del testo del titoloFare clic per modificare lo stile del titolo dello schema</text:span>
           </text:p>
         </draw:text-box>
       </draw:frame>
       <draw:frame draw:name="Segnaposto contenuto 2" presentation:style-name="Mpr6" draw:text-style-name="MP4" draw:layer="backgroundobjects" svg:width="29.209cm" svg:height="12.086cm" svg:x="2.328cm" svg:y="5.071cm" presentation:class="outline" presentation:user-transformed="true">
         <draw:text-box>
-          <text:list text:style-name="ML4">
+          <text:list text:style-name="ML3">
             <text:list-item>
-              <text:p text:style-name="MP9">
-                <text:span text:style-name="MT4">Fate clic per modificare il formato del testo della struttura</text:span>
+              <text:p>
+                <text:span text:style-name="MT5">Fate clic per modificare il formato del testo della struttura</text:span>
               </text:p>
               <text:list>
                 <text:list-item>
-                  <text:p text:style-name="MP9">
-                    <text:span text:style-name="MT4">Secondo livello struttura</text:span>
+                  <text:p>
+                    <text:span text:style-name="MT5">Secondo livello struttura</text:span>
                   </text:p>
                   <text:list>
                     <text:list-item>
-                      <text:p text:style-name="MP9">
-                        <text:span text:style-name="MT4">Terzo livello struttura</text:span>
+                      <text:p>
+                        <text:span text:style-name="MT5">Terzo livello struttura</text:span>
                       </text:p>
                       <text:list>
                         <text:list-item>
-                          <text:p text:style-name="MP9">
-                            <text:span text:style-name="MT4">Quarto livello struttura</text:span>
+                          <text:p>
+                            <text:span text:style-name="MT5">Quarto livello struttura</text:span>
                           </text:p>
                           <text:list>
                             <text:list-item>
-                              <text:p text:style-name="MP9">
-                                <text:span text:style-name="MT4">Quinto livello struttura</text:span>
+                              <text:p>
+                                <text:span text:style-name="MT5">Quinto livello struttura</text:span>
                               </text:p>
                               <text:list>
                                 <text:list-item>
-                                  <text:p text:style-name="MP9">
-                                    <text:span text:style-name="MT4">Sesto livello struttura</text:span>
+                                  <text:p>
+                                    <text:span text:style-name="MT5">Sesto livello struttura</text:span>
                                   </text:p>
                                   <text:list>
                                     <text:list-item>
-                                      <text:p text:style-name="MP9">
-                                        <text:span text:style-name="MT4">Settimo livello struttura</text:span>
+                                      <text:p>
+                                        <text:span text:style-name="MT5">Settimo livello struttura</text:span>
                                       </text:p>
                                       <text:list>
                                         <text:list-item>
-                                          <text:p text:style-name="MP9">
-                                            <text:span text:style-name="MT4">Ottavo livello struttura</text:span>
+                                          <text:p>
+                                            <text:span text:style-name="MT5">Ottavo livello struttura</text:span>
                                           </text:p>
                                         </text:list-item>
                                       </text:list>
@@ -2209,20 +1894,35 @@
               </text:list>
             </text:list-item>
           </text:list>
+          <text:list text:style-name="ML4">
+            <text:list-item>
+              <text:p text:style-name="MP9">
+                <text:span text:style-name="MT5">Nono livello strutturaFare clic per modificare gli stili del testo dello schema</text:span>
+              </text:p>
+            </text:list-item>
+          </text:list>
           <text:list text:style-name="ML5">
             <text:list-item>
-              <text:p text:style-name="MP10">
-                <text:span text:style-name="MT4">Nono livello strutturaFare clic per modificare gli stili del testo dello schema</text:span>
-              </text:p>
+              <text:list>
+                <text:list-item>
+                  <text:p text:style-name="MP10">
+                    <text:span text:style-name="MT6">Secondo livello</text:span>
+                  </text:p>
+                </text:list-item>
+              </text:list>
             </text:list-item>
           </text:list>
           <text:list text:style-name="ML6">
             <text:list-item>
               <text:list>
                 <text:list-item>
-                  <text:p text:style-name="MP11">
-                    <text:span text:style-name="MT5">Secondo livello</text:span>
-                  </text:p>
+                  <text:list>
+                    <text:list-item>
+                      <text:p text:style-name="MP10">
+                        <text:span text:style-name="MT7">Terzo livello</text:span>
+                      </text:p>
+                    </text:list-item>
+                  </text:list>
                 </text:list-item>
               </text:list>
             </text:list-item>
@@ -2233,9 +1933,13 @@
                 <text:list-item>
                   <text:list>
                     <text:list-item>
-                      <text:p text:style-name="MP11">
-                        <text:span text:style-name="MT6">Terzo livello</text:span>
-                      </text:p>
+                      <text:list>
+                        <text:list-item>
+                          <text:p text:style-name="MP10">
+                            <text:span text:style-name="MT3">Quarto livello</text:span>
+                          </text:p>
+                        </text:list-item>
+                      </text:list>
                     </text:list-item>
                   </text:list>
                 </text:list-item>
@@ -2250,29 +1954,10 @@
                     <text:list-item>
                       <text:list>
                         <text:list-item>
-                          <text:p text:style-name="MP11">
-                            <text:span text:style-name="MT2">Quarto livello</text:span>
-                          </text:p>
-                        </text:list-item>
-                      </text:list>
-                    </text:list-item>
-                  </text:list>
-                </text:list-item>
-              </text:list>
-            </text:list-item>
-          </text:list>
-          <text:list text:style-name="ML9">
-            <text:list-item>
-              <text:list>
-                <text:list-item>
-                  <text:list>
-                    <text:list-item>
-                      <text:list>
-                        <text:list-item>
                           <text:list>
                             <text:list-item>
-                              <text:p text:style-name="MP11">
-                                <text:span text:style-name="MT2">Quinto livello</text:span>
+                              <text:p text:style-name="MP10">
+                                <text:span text:style-name="MT3">Quinto livello</text:span>
                               </text:p>
                             </text:list-item>
                           </text:list>
@@ -2289,7 +1974,7 @@
       <draw:frame draw:name="Segnaposto data 3" presentation:style-name="Mpr7" draw:text-style-name="MP6" draw:layer="backgroundobjects" svg:width="7.619cm" svg:height="1.013cm" svg:x="2.328cm" svg:y="17.657cm" presentation:class="date-time" presentation:user-transformed="true">
         <draw:text-box>
           <text:p text:style-name="MP5">
-            <text:span text:style-name="MT2">
+            <text:span text:style-name="MT3">
               <text:date style:data-style-name="D1" text:date-value="2019-12-15">15/12/19</text:date>
             </text:span>
           </text:p>
@@ -2303,8 +1988,8 @@
       <draw:frame draw:name="Segnaposto numero diapositiva 5" presentation:style-name="Mpr7" draw:text-style-name="MP8" draw:layer="backgroundobjects" svg:width="7.619cm" svg:height="1.013cm" svg:x="23.918cm" svg:y="17.657cm" presentation:class="page-number" presentation:user-transformed="true">
         <draw:text-box>
           <text:p text:style-name="MP5">
-            <text:span text:style-name="MT2">
-              <text:page-number>&lt;numero&gt;</text:page-number>
+            <text:span text:style-name="MT3">
+              <text:page-number>4</text:page-number>
             </text:span>
           </text:p>
         </draw:text-box>
@@ -2317,28 +2002,36 @@
         <draw:frame presentation:style-name="Mpr8" draw:text-style-name="MP1" draw:layer="backgroundobjects" svg:width="9.113cm" svg:height="1.484cm" svg:x="0cm" svg:y="0cm" presentation:class="header">
           <draw:text-box>
             <text:p text:style-name="MP1">
-              <presentation:header/>
+              <text:span text:style-name="MT1">
+                <presentation:header/>
+              </text:span>
             </text:p>
           </draw:text-box>
         </draw:frame>
         <draw:frame presentation:style-name="Mpr8" draw:text-style-name="MP2" draw:layer="backgroundobjects" svg:width="9.113cm" svg:height="1.484cm" svg:x="11.886cm" svg:y="0cm" presentation:class="date-time">
           <draw:text-box>
             <text:p text:style-name="MP2">
-              <presentation:date-time/>
+              <text:span text:style-name="MT1">
+                <presentation:date-time/>
+              </text:span>
             </text:p>
           </draw:text-box>
         </draw:frame>
         <draw:frame presentation:style-name="Mpr9" draw:text-style-name="MP1" draw:layer="backgroundobjects" svg:width="9.113cm" svg:height="1.484cm" svg:x="0cm" svg:y="28.215cm" presentation:class="footer">
           <draw:text-box>
             <text:p text:style-name="MP1">
-              <presentation:footer/>
+              <text:span text:style-name="MT1">
+                <presentation:footer/>
+              </text:span>
             </text:p>
           </draw:text-box>
         </draw:frame>
         <draw:frame presentation:style-name="Mpr9" draw:text-style-name="MP2" draw:layer="backgroundobjects" svg:width="9.113cm" svg:height="1.484cm" svg:x="11.886cm" svg:y="28.215cm" presentation:class="page-number">
           <draw:text-box>
             <text:p text:style-name="MP2">
-              <text:page-number>&lt;numero&gt;</text:page-number>
+              <text:span text:style-name="MT1">
+                <text:page-number>4</text:page-number>
+              </text:span>
             </text:p>
           </draw:text-box>
         </draw:frame>
